--- a/2015年中工作会/2015集团教学总监年中工作会_ESD_冯华.pptx
+++ b/2015年中工作会/2015集团教学总监年中工作会_ESD_冯华.pptx
@@ -222,7 +222,7 @@
             <a:fld id="{2BF605E8-70C3-45B8-A465-16F6ECD62980}" type="datetimeFigureOut">
               <a:rPr lang="zh-CN" altLang="en-US" smtClean="0"/>
               <a:pPr/>
-              <a:t>2015/9/9</a:t>
+              <a:t>2015/9/10</a:t>
             </a:fld>
             <a:endParaRPr lang="zh-CN" altLang="en-US"/>
           </a:p>
@@ -1525,7 +1525,7 @@
             <a:fld id="{530820CF-B880-4189-942D-D702A7CBA730}" type="datetimeFigureOut">
               <a:rPr lang="zh-CN" altLang="en-US" smtClean="0"/>
               <a:pPr/>
-              <a:t>2015/9/9</a:t>
+              <a:t>2015/9/10</a:t>
             </a:fld>
             <a:endParaRPr lang="zh-CN" altLang="en-US"/>
           </a:p>
@@ -1699,7 +1699,7 @@
             <a:fld id="{530820CF-B880-4189-942D-D702A7CBA730}" type="datetimeFigureOut">
               <a:rPr lang="zh-CN" altLang="en-US" smtClean="0"/>
               <a:pPr/>
-              <a:t>2015/9/9</a:t>
+              <a:t>2015/9/10</a:t>
             </a:fld>
             <a:endParaRPr lang="zh-CN" altLang="en-US"/>
           </a:p>
@@ -1876,7 +1876,7 @@
             <a:fld id="{530820CF-B880-4189-942D-D702A7CBA730}" type="datetimeFigureOut">
               <a:rPr lang="zh-CN" altLang="en-US" smtClean="0"/>
               <a:pPr/>
-              <a:t>2015/9/9</a:t>
+              <a:t>2015/9/10</a:t>
             </a:fld>
             <a:endParaRPr lang="zh-CN" altLang="en-US"/>
           </a:p>
@@ -2086,7 +2086,7 @@
                 </a:solidFill>
               </a:rPr>
               <a:pPr/>
-              <a:t>2015/9/9</a:t>
+              <a:t>2015/9/10</a:t>
             </a:fld>
             <a:endParaRPr lang="zh-CN" altLang="en-US">
               <a:solidFill>
@@ -2364,7 +2364,7 @@
                 </a:solidFill>
               </a:rPr>
               <a:pPr/>
-              <a:t>2015/9/9</a:t>
+              <a:t>2015/9/10</a:t>
             </a:fld>
             <a:endParaRPr lang="zh-CN" altLang="en-US">
               <a:solidFill>
@@ -2684,7 +2684,7 @@
                 </a:solidFill>
               </a:rPr>
               <a:pPr/>
-              <a:t>2015/9/9</a:t>
+              <a:t>2015/9/10</a:t>
             </a:fld>
             <a:endParaRPr lang="zh-CN" altLang="en-US">
               <a:solidFill>
@@ -3138,7 +3138,7 @@
                 </a:solidFill>
               </a:rPr>
               <a:pPr/>
-              <a:t>2015/9/9</a:t>
+              <a:t>2015/9/10</a:t>
             </a:fld>
             <a:endParaRPr lang="zh-CN" altLang="en-US">
               <a:solidFill>
@@ -3288,7 +3288,7 @@
                 </a:solidFill>
               </a:rPr>
               <a:pPr/>
-              <a:t>2015/9/9</a:t>
+              <a:t>2015/9/10</a:t>
             </a:fld>
             <a:endParaRPr lang="zh-CN" altLang="en-US">
               <a:solidFill>
@@ -3415,7 +3415,7 @@
                 </a:solidFill>
               </a:rPr>
               <a:pPr/>
-              <a:t>2015/9/9</a:t>
+              <a:t>2015/9/10</a:t>
             </a:fld>
             <a:endParaRPr lang="zh-CN" altLang="en-US">
               <a:solidFill>
@@ -3731,7 +3731,7 @@
                 </a:solidFill>
               </a:rPr>
               <a:pPr/>
-              <a:t>2015/9/9</a:t>
+              <a:t>2015/9/10</a:t>
             </a:fld>
             <a:endParaRPr lang="zh-CN" altLang="en-US">
               <a:solidFill>
@@ -3927,7 +3927,7 @@
             <a:fld id="{530820CF-B880-4189-942D-D702A7CBA730}" type="datetimeFigureOut">
               <a:rPr lang="zh-CN" altLang="en-US" smtClean="0"/>
               <a:pPr/>
-              <a:t>2015/9/9</a:t>
+              <a:t>2015/9/10</a:t>
             </a:fld>
             <a:endParaRPr lang="zh-CN" altLang="en-US"/>
           </a:p>
@@ -4183,7 +4183,7 @@
                 </a:solidFill>
               </a:rPr>
               <a:pPr/>
-              <a:t>2015/9/9</a:t>
+              <a:t>2015/9/10</a:t>
             </a:fld>
             <a:endParaRPr lang="zh-CN" altLang="en-US">
               <a:solidFill>
@@ -4385,7 +4385,7 @@
                 </a:solidFill>
               </a:rPr>
               <a:pPr/>
-              <a:t>2015/9/9</a:t>
+              <a:t>2015/9/10</a:t>
             </a:fld>
             <a:endParaRPr lang="zh-CN" altLang="en-US">
               <a:solidFill>
@@ -4597,7 +4597,7 @@
                 </a:solidFill>
               </a:rPr>
               <a:pPr/>
-              <a:t>2015/9/9</a:t>
+              <a:t>2015/9/10</a:t>
             </a:fld>
             <a:endParaRPr lang="zh-CN" altLang="en-US">
               <a:solidFill>
@@ -4869,7 +4869,7 @@
             <a:fld id="{530820CF-B880-4189-942D-D702A7CBA730}" type="datetimeFigureOut">
               <a:rPr lang="zh-CN" altLang="en-US" smtClean="0"/>
               <a:pPr/>
-              <a:t>2015/9/9</a:t>
+              <a:t>2015/9/10</a:t>
             </a:fld>
             <a:endParaRPr lang="zh-CN" altLang="en-US"/>
           </a:p>
@@ -5154,7 +5154,7 @@
             <a:fld id="{530820CF-B880-4189-942D-D702A7CBA730}" type="datetimeFigureOut">
               <a:rPr lang="zh-CN" altLang="en-US" smtClean="0"/>
               <a:pPr/>
-              <a:t>2015/9/9</a:t>
+              <a:t>2015/9/10</a:t>
             </a:fld>
             <a:endParaRPr lang="zh-CN" altLang="en-US"/>
           </a:p>
@@ -5573,7 +5573,7 @@
             <a:fld id="{530820CF-B880-4189-942D-D702A7CBA730}" type="datetimeFigureOut">
               <a:rPr lang="zh-CN" altLang="en-US" smtClean="0"/>
               <a:pPr/>
-              <a:t>2015/9/9</a:t>
+              <a:t>2015/9/10</a:t>
             </a:fld>
             <a:endParaRPr lang="zh-CN" altLang="en-US"/>
           </a:p>
@@ -5688,7 +5688,7 @@
             <a:fld id="{530820CF-B880-4189-942D-D702A7CBA730}" type="datetimeFigureOut">
               <a:rPr lang="zh-CN" altLang="en-US" smtClean="0"/>
               <a:pPr/>
-              <a:t>2015/9/9</a:t>
+              <a:t>2015/9/10</a:t>
             </a:fld>
             <a:endParaRPr lang="zh-CN" altLang="en-US"/>
           </a:p>
@@ -5780,7 +5780,7 @@
             <a:fld id="{530820CF-B880-4189-942D-D702A7CBA730}" type="datetimeFigureOut">
               <a:rPr lang="zh-CN" altLang="en-US" smtClean="0"/>
               <a:pPr/>
-              <a:t>2015/9/9</a:t>
+              <a:t>2015/9/10</a:t>
             </a:fld>
             <a:endParaRPr lang="zh-CN" altLang="en-US"/>
           </a:p>
@@ -6054,7 +6054,7 @@
             <a:fld id="{530820CF-B880-4189-942D-D702A7CBA730}" type="datetimeFigureOut">
               <a:rPr lang="zh-CN" altLang="en-US" smtClean="0"/>
               <a:pPr/>
-              <a:t>2015/9/9</a:t>
+              <a:t>2015/9/10</a:t>
             </a:fld>
             <a:endParaRPr lang="zh-CN" altLang="en-US"/>
           </a:p>
@@ -6304,7 +6304,7 @@
             <a:fld id="{530820CF-B880-4189-942D-D702A7CBA730}" type="datetimeFigureOut">
               <a:rPr lang="zh-CN" altLang="en-US" smtClean="0"/>
               <a:pPr/>
-              <a:t>2015/9/9</a:t>
+              <a:t>2015/9/10</a:t>
             </a:fld>
             <a:endParaRPr lang="zh-CN" altLang="en-US"/>
           </a:p>
@@ -6517,7 +6517,7 @@
             <a:fld id="{530820CF-B880-4189-942D-D702A7CBA730}" type="datetimeFigureOut">
               <a:rPr lang="zh-CN" altLang="en-US" smtClean="0"/>
               <a:pPr/>
-              <a:t>2015/9/9</a:t>
+              <a:t>2015/9/10</a:t>
             </a:fld>
             <a:endParaRPr lang="zh-CN" altLang="en-US"/>
           </a:p>
@@ -7070,7 +7070,7 @@
                 </a:solidFill>
               </a:rPr>
               <a:pPr/>
-              <a:t>2015/9/9</a:t>
+              <a:t>2015/9/10</a:t>
             </a:fld>
             <a:endParaRPr lang="zh-CN" altLang="en-US">
               <a:solidFill>
@@ -7797,7 +7797,7 @@
         <p:spPr>
           <a:xfrm>
             <a:off x="1631504" y="1988840"/>
-            <a:ext cx="8782426" cy="1754326"/>
+            <a:ext cx="8782426" cy="2031325"/>
           </a:xfrm>
           <a:prstGeom prst="rect">
             <a:avLst/>
@@ -7819,216 +7819,166 @@
                 <a:latin typeface="微软雅黑" panose="020B0503020204020204" pitchFamily="34" charset="-122"/>
                 <a:ea typeface="微软雅黑" panose="020B0503020204020204" pitchFamily="34" charset="-122"/>
               </a:rPr>
-              <a:t>所谓</a:t>
-            </a:r>
+              <a:t>师资技术能力、实战经验行业前两名</a:t>
+            </a:r>
+            <a:endParaRPr lang="en-US" altLang="zh-CN" dirty="0" smtClean="0">
+              <a:latin typeface="微软雅黑" panose="020B0503020204020204" pitchFamily="34" charset="-122"/>
+              <a:ea typeface="微软雅黑" panose="020B0503020204020204" pitchFamily="34" charset="-122"/>
+            </a:endParaRPr>
+          </a:p>
+          <a:p>
+            <a:pPr marL="800100" lvl="1" indent="-342900">
+              <a:buFont typeface="+mj-lt"/>
+              <a:buAutoNum type="arabicPeriod"/>
+            </a:pPr>
+            <a:r>
+              <a:rPr lang="zh-CN" altLang="en-US" dirty="0" smtClean="0">
+                <a:latin typeface="微软雅黑" panose="020B0503020204020204" pitchFamily="34" charset="-122"/>
+                <a:ea typeface="微软雅黑" panose="020B0503020204020204" pitchFamily="34" charset="-122"/>
+              </a:rPr>
+              <a:t>全体讲师都是</a:t>
+            </a:r>
+            <a:r>
+              <a:rPr lang="en-US" altLang="zh-CN" dirty="0" smtClean="0">
+                <a:latin typeface="微软雅黑" panose="020B0503020204020204" pitchFamily="34" charset="-122"/>
+                <a:ea typeface="微软雅黑" panose="020B0503020204020204" pitchFamily="34" charset="-122"/>
+              </a:rPr>
+              <a:t>8</a:t>
+            </a:r>
+            <a:r>
+              <a:rPr lang="zh-CN" altLang="en-US" dirty="0" smtClean="0">
+                <a:latin typeface="微软雅黑" panose="020B0503020204020204" pitchFamily="34" charset="-122"/>
+                <a:ea typeface="微软雅黑" panose="020B0503020204020204" pitchFamily="34" charset="-122"/>
+              </a:rPr>
+              <a:t>年以上嵌入式方面工作经验，具备实战能力</a:t>
+            </a:r>
+            <a:endParaRPr lang="en-US" altLang="zh-CN" dirty="0" smtClean="0">
+              <a:latin typeface="微软雅黑" panose="020B0503020204020204" pitchFamily="34" charset="-122"/>
+              <a:ea typeface="微软雅黑" panose="020B0503020204020204" pitchFamily="34" charset="-122"/>
+            </a:endParaRPr>
+          </a:p>
+          <a:p>
+            <a:pPr marL="800100" lvl="1" indent="-342900">
+              <a:buFont typeface="+mj-lt"/>
+              <a:buAutoNum type="arabicPeriod"/>
+            </a:pPr>
+            <a:r>
+              <a:rPr lang="zh-CN" altLang="en-US" dirty="0" smtClean="0">
+                <a:latin typeface="微软雅黑" panose="020B0503020204020204" pitchFamily="34" charset="-122"/>
+                <a:ea typeface="微软雅黑" panose="020B0503020204020204" pitchFamily="34" charset="-122"/>
+              </a:rPr>
+              <a:t>讲师团队稳定</a:t>
+            </a:r>
+            <a:endParaRPr lang="en-US" altLang="zh-CN" dirty="0" smtClean="0">
+              <a:latin typeface="微软雅黑" panose="020B0503020204020204" pitchFamily="34" charset="-122"/>
+              <a:ea typeface="微软雅黑" panose="020B0503020204020204" pitchFamily="34" charset="-122"/>
+            </a:endParaRPr>
+          </a:p>
+          <a:p>
+            <a:pPr marL="800100" lvl="1" indent="-342900">
+              <a:buFont typeface="+mj-lt"/>
+              <a:buAutoNum type="arabicPeriod"/>
+            </a:pPr>
+            <a:endParaRPr lang="en-US" altLang="zh-CN" dirty="0" smtClean="0">
+              <a:latin typeface="微软雅黑" panose="020B0503020204020204" pitchFamily="34" charset="-122"/>
+              <a:ea typeface="微软雅黑" panose="020B0503020204020204" pitchFamily="34" charset="-122"/>
+            </a:endParaRPr>
+          </a:p>
+          <a:p>
+            <a:pPr marL="342900" indent="-342900">
+              <a:buFont typeface="+mj-lt"/>
+              <a:buAutoNum type="arabicPeriod"/>
+            </a:pPr>
+            <a:r>
+              <a:rPr lang="zh-CN" altLang="en-US" dirty="0" smtClean="0">
+                <a:latin typeface="微软雅黑" panose="020B0503020204020204" pitchFamily="34" charset="-122"/>
+                <a:ea typeface="微软雅黑" panose="020B0503020204020204" pitchFamily="34" charset="-122"/>
+              </a:rPr>
+              <a:t>师资授课能力行业内第一名</a:t>
+            </a:r>
+            <a:endParaRPr lang="en-US" altLang="zh-CN" dirty="0" smtClean="0">
+              <a:latin typeface="微软雅黑" panose="020B0503020204020204" pitchFamily="34" charset="-122"/>
+              <a:ea typeface="微软雅黑" panose="020B0503020204020204" pitchFamily="34" charset="-122"/>
+            </a:endParaRPr>
+          </a:p>
+          <a:p>
+            <a:pPr marL="342900" indent="-342900">
+              <a:buFont typeface="+mj-lt"/>
+              <a:buAutoNum type="arabicPeriod"/>
+            </a:pPr>
+            <a:endParaRPr lang="en-US" altLang="zh-CN" dirty="0">
+              <a:latin typeface="微软雅黑" panose="020B0503020204020204" pitchFamily="34" charset="-122"/>
+              <a:ea typeface="微软雅黑" panose="020B0503020204020204" pitchFamily="34" charset="-122"/>
+            </a:endParaRPr>
+          </a:p>
+          <a:p>
+            <a:pPr marL="342900" indent="-342900">
+              <a:buFont typeface="+mj-lt"/>
+              <a:buAutoNum type="arabicPeriod"/>
+            </a:pPr>
+            <a:endParaRPr lang="en-US" altLang="zh-CN" dirty="0">
+              <a:latin typeface="微软雅黑" panose="020B0503020204020204" pitchFamily="34" charset="-122"/>
+              <a:ea typeface="微软雅黑" panose="020B0503020204020204" pitchFamily="34" charset="-122"/>
+            </a:endParaRPr>
+          </a:p>
+        </p:txBody>
+      </p:sp>
+      <p:sp>
+        <p:nvSpPr>
+          <p:cNvPr id="2" name="矩形 1"/>
+          <p:cNvSpPr/>
+          <p:nvPr/>
+        </p:nvSpPr>
+        <p:spPr>
+          <a:xfrm>
+            <a:off x="1631504" y="3501008"/>
+            <a:ext cx="3647152" cy="369332"/>
+          </a:xfrm>
+          <a:prstGeom prst="rect">
+            <a:avLst/>
+          </a:prstGeom>
+        </p:spPr>
+        <p:txBody>
+          <a:bodyPr wrap="none">
+            <a:spAutoFit/>
+          </a:bodyPr>
+          <a:lstStyle/>
+          <a:p>
+            <a:pPr lvl="1"/>
             <a:r>
               <a:rPr lang="zh-CN" altLang="en-US" dirty="0">
                 <a:latin typeface="微软雅黑" panose="020B0503020204020204" pitchFamily="34" charset="-122"/>
                 <a:ea typeface="微软雅黑" panose="020B0503020204020204" pitchFamily="34" charset="-122"/>
               </a:rPr>
-              <a:t>全栈式工程师就是在系统掌握</a:t>
-            </a:r>
-            <a:r>
-              <a:rPr lang="en-US" altLang="zh-CN" dirty="0">
+              <a:t>达内</a:t>
+            </a:r>
+            <a:r>
+              <a:rPr lang="zh-CN" altLang="en-US" dirty="0" smtClean="0">
                 <a:latin typeface="微软雅黑" panose="020B0503020204020204" pitchFamily="34" charset="-122"/>
                 <a:ea typeface="微软雅黑" panose="020B0503020204020204" pitchFamily="34" charset="-122"/>
               </a:rPr>
-              <a:t>Java</a:t>
+              <a:t>、华清、</a:t>
             </a:r>
             <a:r>
               <a:rPr lang="zh-CN" altLang="en-US" dirty="0">
                 <a:latin typeface="微软雅黑" panose="020B0503020204020204" pitchFamily="34" charset="-122"/>
                 <a:ea typeface="微软雅黑" panose="020B0503020204020204" pitchFamily="34" charset="-122"/>
               </a:rPr>
-              <a:t>技术的基础上，对数据库、</a:t>
-            </a:r>
-            <a:r>
-              <a:rPr lang="en-US" altLang="zh-CN" dirty="0">
+              <a:t>尚观、</a:t>
+            </a:r>
+            <a:r>
+              <a:rPr lang="zh-CN" altLang="en-US" dirty="0" smtClean="0">
                 <a:latin typeface="微软雅黑" panose="020B0503020204020204" pitchFamily="34" charset="-122"/>
                 <a:ea typeface="微软雅黑" panose="020B0503020204020204" pitchFamily="34" charset="-122"/>
               </a:rPr>
-              <a:t>Linux</a:t>
+              <a:t>凌阳</a:t>
             </a:r>
             <a:r>
               <a:rPr lang="zh-CN" altLang="en-US" dirty="0">
                 <a:latin typeface="微软雅黑" panose="020B0503020204020204" pitchFamily="34" charset="-122"/>
                 <a:ea typeface="微软雅黑" panose="020B0503020204020204" pitchFamily="34" charset="-122"/>
               </a:rPr>
-              <a:t>操作系统等也</a:t>
-            </a:r>
-            <a:r>
-              <a:rPr lang="zh-CN" altLang="en-US" dirty="0" smtClean="0">
-                <a:latin typeface="微软雅黑" panose="020B0503020204020204" pitchFamily="34" charset="-122"/>
-                <a:ea typeface="微软雅黑" panose="020B0503020204020204" pitchFamily="34" charset="-122"/>
-              </a:rPr>
-              <a:t>有</a:t>
-            </a:r>
-            <a:endParaRPr lang="en-US" altLang="zh-CN" dirty="0" smtClean="0">
-              <a:latin typeface="微软雅黑" panose="020B0503020204020204" pitchFamily="34" charset="-122"/>
-              <a:ea typeface="微软雅黑" panose="020B0503020204020204" pitchFamily="34" charset="-122"/>
-            </a:endParaRPr>
-          </a:p>
-          <a:p>
-            <a:pPr marL="342900" indent="-342900">
-              <a:buFont typeface="+mj-lt"/>
-              <a:buAutoNum type="arabicPeriod"/>
-            </a:pPr>
-            <a:r>
-              <a:rPr lang="zh-CN" altLang="en-US" dirty="0" smtClean="0">
-                <a:latin typeface="微软雅黑" panose="020B0503020204020204" pitchFamily="34" charset="-122"/>
-                <a:ea typeface="微软雅黑" panose="020B0503020204020204" pitchFamily="34" charset="-122"/>
-              </a:rPr>
-              <a:t>为</a:t>
-            </a:r>
-            <a:r>
-              <a:rPr lang="zh-CN" altLang="zh-CN" dirty="0">
-                <a:latin typeface="微软雅黑" panose="020B0503020204020204" pitchFamily="34" charset="-122"/>
-                <a:ea typeface="微软雅黑" panose="020B0503020204020204" pitchFamily="34" charset="-122"/>
-              </a:rPr>
-              <a:t>全面的了解</a:t>
-            </a:r>
-            <a:r>
-              <a:rPr lang="zh-CN" altLang="en-US" dirty="0">
-                <a:latin typeface="微软雅黑" panose="020B0503020204020204" pitchFamily="34" charset="-122"/>
-                <a:ea typeface="微软雅黑" panose="020B0503020204020204" pitchFamily="34" charset="-122"/>
-              </a:rPr>
-              <a:t>。</a:t>
-            </a:r>
-            <a:r>
-              <a:rPr lang="zh-CN" altLang="zh-CN" dirty="0">
-                <a:latin typeface="微软雅黑" panose="020B0503020204020204" pitchFamily="34" charset="-122"/>
-                <a:ea typeface="微软雅黑" panose="020B0503020204020204" pitchFamily="34" charset="-122"/>
-              </a:rPr>
-              <a:t>达内目前</a:t>
-            </a:r>
-            <a:r>
-              <a:rPr lang="zh-CN" altLang="en-US" dirty="0">
-                <a:latin typeface="微软雅黑" panose="020B0503020204020204" pitchFamily="34" charset="-122"/>
-                <a:ea typeface="微软雅黑" panose="020B0503020204020204" pitchFamily="34" charset="-122"/>
-              </a:rPr>
-              <a:t>有</a:t>
-            </a:r>
-            <a:r>
-              <a:rPr lang="en-US" altLang="zh-CN" dirty="0">
-                <a:latin typeface="微软雅黑" panose="020B0503020204020204" pitchFamily="34" charset="-122"/>
-                <a:ea typeface="微软雅黑" panose="020B0503020204020204" pitchFamily="34" charset="-122"/>
-              </a:rPr>
-              <a:t>12</a:t>
-            </a:r>
-            <a:r>
-              <a:rPr lang="zh-CN" altLang="zh-CN" dirty="0">
-                <a:latin typeface="微软雅黑" panose="020B0503020204020204" pitchFamily="34" charset="-122"/>
-                <a:ea typeface="微软雅黑" panose="020B0503020204020204" pitchFamily="34" charset="-122"/>
-              </a:rPr>
-              <a:t>个课程方向，具备培养“全栈式”软件工程师的实力和</a:t>
-            </a:r>
-            <a:r>
-              <a:rPr lang="zh-CN" altLang="zh-CN" dirty="0" smtClean="0">
-                <a:latin typeface="微软雅黑" panose="020B0503020204020204" pitchFamily="34" charset="-122"/>
-                <a:ea typeface="微软雅黑" panose="020B0503020204020204" pitchFamily="34" charset="-122"/>
-              </a:rPr>
-              <a:t>基础</a:t>
-            </a:r>
-            <a:endParaRPr lang="en-US" altLang="zh-CN" dirty="0">
-              <a:latin typeface="微软雅黑" panose="020B0503020204020204" pitchFamily="34" charset="-122"/>
-              <a:ea typeface="微软雅黑" panose="020B0503020204020204" pitchFamily="34" charset="-122"/>
-            </a:endParaRPr>
-          </a:p>
-          <a:p>
-            <a:pPr marL="342900" indent="-342900">
-              <a:buFont typeface="+mj-lt"/>
-              <a:buAutoNum type="arabicPeriod"/>
-            </a:pPr>
-            <a:r>
-              <a:rPr lang="zh-CN" altLang="en-US" dirty="0" smtClean="0">
-                <a:latin typeface="微软雅黑" panose="020B0503020204020204" pitchFamily="34" charset="-122"/>
-                <a:ea typeface="微软雅黑" panose="020B0503020204020204" pitchFamily="34" charset="-122"/>
-              </a:rPr>
-              <a:t>在</a:t>
-            </a:r>
-            <a:r>
-              <a:rPr lang="zh-CN" altLang="en-US" dirty="0">
-                <a:latin typeface="微软雅黑" panose="020B0503020204020204" pitchFamily="34" charset="-122"/>
-                <a:ea typeface="微软雅黑" panose="020B0503020204020204" pitchFamily="34" charset="-122"/>
-              </a:rPr>
-              <a:t>主修</a:t>
-            </a:r>
-            <a:r>
-              <a:rPr lang="en-US" altLang="zh-CN" dirty="0">
-                <a:latin typeface="微软雅黑" panose="020B0503020204020204" pitchFamily="34" charset="-122"/>
-                <a:ea typeface="微软雅黑" panose="020B0503020204020204" pitchFamily="34" charset="-122"/>
-              </a:rPr>
-              <a:t>Java</a:t>
-            </a:r>
-            <a:r>
-              <a:rPr lang="zh-CN" altLang="en-US" dirty="0">
-                <a:latin typeface="微软雅黑" panose="020B0503020204020204" pitchFamily="34" charset="-122"/>
-                <a:ea typeface="微软雅黑" panose="020B0503020204020204" pitchFamily="34" charset="-122"/>
-              </a:rPr>
-              <a:t>的同时，还可以通过</a:t>
-            </a:r>
-            <a:r>
-              <a:rPr lang="en-US" altLang="zh-CN" dirty="0">
-                <a:latin typeface="微软雅黑" panose="020B0503020204020204" pitchFamily="34" charset="-122"/>
-                <a:ea typeface="微软雅黑" panose="020B0503020204020204" pitchFamily="34" charset="-122"/>
-              </a:rPr>
-              <a:t>TTS</a:t>
-            </a:r>
-            <a:r>
-              <a:rPr lang="zh-CN" altLang="en-US" dirty="0">
-                <a:latin typeface="微软雅黑" panose="020B0503020204020204" pitchFamily="34" charset="-122"/>
-                <a:ea typeface="微软雅黑" panose="020B0503020204020204" pitchFamily="34" charset="-122"/>
-              </a:rPr>
-              <a:t>辅修</a:t>
-            </a:r>
-            <a:r>
-              <a:rPr lang="en-US" altLang="zh-CN" dirty="0">
-                <a:latin typeface="微软雅黑" panose="020B0503020204020204" pitchFamily="34" charset="-122"/>
-                <a:ea typeface="微软雅黑" panose="020B0503020204020204" pitchFamily="34" charset="-122"/>
-              </a:rPr>
-              <a:t>Oracle</a:t>
-            </a:r>
-            <a:r>
-              <a:rPr lang="zh-CN" altLang="zh-CN" dirty="0">
-                <a:latin typeface="微软雅黑" panose="020B0503020204020204" pitchFamily="34" charset="-122"/>
-                <a:ea typeface="微软雅黑" panose="020B0503020204020204" pitchFamily="34" charset="-122"/>
-              </a:rPr>
-              <a:t>、</a:t>
-            </a:r>
-            <a:r>
-              <a:rPr lang="en-US" altLang="zh-CN" dirty="0">
-                <a:latin typeface="微软雅黑" panose="020B0503020204020204" pitchFamily="34" charset="-122"/>
-                <a:ea typeface="微软雅黑" panose="020B0503020204020204" pitchFamily="34" charset="-122"/>
-              </a:rPr>
-              <a:t>Linux</a:t>
-            </a:r>
-            <a:r>
-              <a:rPr lang="zh-CN" altLang="zh-CN" dirty="0">
-                <a:latin typeface="微软雅黑" panose="020B0503020204020204" pitchFamily="34" charset="-122"/>
-                <a:ea typeface="微软雅黑" panose="020B0503020204020204" pitchFamily="34" charset="-122"/>
-              </a:rPr>
-              <a:t>、</a:t>
-            </a:r>
-            <a:r>
-              <a:rPr lang="zh-CN" altLang="en-US" dirty="0">
-                <a:latin typeface="微软雅黑" panose="020B0503020204020204" pitchFamily="34" charset="-122"/>
-                <a:ea typeface="微软雅黑" panose="020B0503020204020204" pitchFamily="34" charset="-122"/>
-              </a:rPr>
-              <a:t>软件测试、大数据技术</a:t>
-            </a:r>
-            <a:r>
-              <a:rPr lang="zh-CN" altLang="zh-CN" dirty="0">
-                <a:latin typeface="微软雅黑" panose="020B0503020204020204" pitchFamily="34" charset="-122"/>
-                <a:ea typeface="微软雅黑" panose="020B0503020204020204" pitchFamily="34" charset="-122"/>
-              </a:rPr>
-              <a:t>等多门课程</a:t>
-            </a:r>
-            <a:r>
-              <a:rPr lang="zh-CN" altLang="en-US" dirty="0">
-                <a:latin typeface="微软雅黑" panose="020B0503020204020204" pitchFamily="34" charset="-122"/>
-                <a:ea typeface="微软雅黑" panose="020B0503020204020204" pitchFamily="34" charset="-122"/>
-              </a:rPr>
-              <a:t>。</a:t>
+              <a:t>教育</a:t>
             </a:r>
             <a:endParaRPr lang="en-US" altLang="zh-CN" dirty="0">
               <a:latin typeface="微软雅黑" panose="020B0503020204020204" pitchFamily="34" charset="-122"/>
@@ -8861,14 +8811,7 @@
                 <a:latin typeface="微软雅黑" panose="020B0503020204020204" pitchFamily="34" charset="-122"/>
                 <a:ea typeface="微软雅黑" panose="020B0503020204020204" pitchFamily="34" charset="-122"/>
               </a:rPr>
-              <a:t>教研</a:t>
-            </a:r>
-            <a:r>
-              <a:rPr lang="zh-CN" altLang="en-US" sz="4800" dirty="0" smtClean="0">
-                <a:latin typeface="微软雅黑" panose="020B0503020204020204" pitchFamily="34" charset="-122"/>
-                <a:ea typeface="微软雅黑" panose="020B0503020204020204" pitchFamily="34" charset="-122"/>
-              </a:rPr>
-              <a:t>部</a:t>
+              <a:t>教研部</a:t>
             </a:r>
             <a:endParaRPr lang="en-US" altLang="zh-CN" sz="4800" dirty="0" smtClean="0">
               <a:latin typeface="微软雅黑" panose="020B0503020204020204" pitchFamily="34" charset="-122"/>
@@ -9894,17 +9837,7 @@
                           <a:latin typeface="微软雅黑" panose="020B0503020204020204" pitchFamily="34" charset="-122"/>
                           <a:ea typeface="微软雅黑" panose="020B0503020204020204" pitchFamily="34" charset="-122"/>
                         </a:rPr>
-                        <a:t>时间</a:t>
-                      </a:r>
-                      <a:r>
-                        <a:rPr lang="zh-CN" altLang="en-US" b="0" dirty="0" smtClean="0">
-                          <a:solidFill>
-                            <a:schemeClr val="tx1"/>
-                          </a:solidFill>
-                          <a:latin typeface="微软雅黑" panose="020B0503020204020204" pitchFamily="34" charset="-122"/>
-                          <a:ea typeface="微软雅黑" panose="020B0503020204020204" pitchFamily="34" charset="-122"/>
-                        </a:rPr>
-                        <a:t>（天）</a:t>
+                        <a:t>时间（天）</a:t>
                       </a:r>
                       <a:endParaRPr lang="zh-CN" altLang="en-US" b="0" dirty="0">
                         <a:solidFill>
@@ -13711,7 +13644,7 @@
         <p:spPr>
           <a:xfrm>
             <a:off x="5250119" y="2636912"/>
-            <a:ext cx="5184126" cy="1754326"/>
+            <a:ext cx="5184126" cy="1200329"/>
           </a:xfrm>
           <a:prstGeom prst="rect">
             <a:avLst/>
@@ -13729,194 +13662,78 @@
               <a:buAutoNum type="arabicPeriod"/>
             </a:pPr>
             <a:r>
+              <a:rPr lang="zh-CN" altLang="en-US" dirty="0" smtClean="0">
+                <a:latin typeface="微软雅黑" panose="020B0503020204020204" pitchFamily="34" charset="-122"/>
+                <a:ea typeface="微软雅黑" panose="020B0503020204020204" pitchFamily="34" charset="-122"/>
+              </a:rPr>
+              <a:t>纯粹的嵌入式</a:t>
+            </a:r>
+            <a:r>
               <a:rPr lang="en-US" altLang="zh-CN" dirty="0" smtClean="0">
                 <a:latin typeface="微软雅黑" panose="020B0503020204020204" pitchFamily="34" charset="-122"/>
                 <a:ea typeface="微软雅黑" panose="020B0503020204020204" pitchFamily="34" charset="-122"/>
               </a:rPr>
-              <a:t>Linux</a:t>
-            </a:r>
+              <a:t>+Linux</a:t>
+            </a:r>
+            <a:r>
+              <a:rPr lang="zh-CN" altLang="en-US" dirty="0" smtClean="0">
+                <a:latin typeface="微软雅黑" panose="020B0503020204020204" pitchFamily="34" charset="-122"/>
+                <a:ea typeface="微软雅黑" panose="020B0503020204020204" pitchFamily="34" charset="-122"/>
+              </a:rPr>
+              <a:t>课程，注重基础</a:t>
+            </a:r>
+            <a:endParaRPr lang="en-US" altLang="zh-CN" dirty="0" smtClean="0">
+              <a:latin typeface="微软雅黑" panose="020B0503020204020204" pitchFamily="34" charset="-122"/>
+              <a:ea typeface="微软雅黑" panose="020B0503020204020204" pitchFamily="34" charset="-122"/>
+            </a:endParaRPr>
+          </a:p>
+          <a:p>
+            <a:pPr marL="342900" indent="-342900">
+              <a:buFont typeface="+mj-lt"/>
+              <a:buAutoNum type="arabicPeriod"/>
+            </a:pPr>
+            <a:r>
+              <a:rPr lang="zh-CN" altLang="en-US" dirty="0" smtClean="0">
+                <a:latin typeface="微软雅黑" panose="020B0503020204020204" pitchFamily="34" charset="-122"/>
+                <a:ea typeface="微软雅黑" panose="020B0503020204020204" pitchFamily="34" charset="-122"/>
+              </a:rPr>
+              <a:t>项目涵盖物联网技术</a:t>
+            </a:r>
+            <a:endParaRPr lang="en-US" altLang="zh-CN" dirty="0" smtClean="0">
+              <a:latin typeface="微软雅黑" panose="020B0503020204020204" pitchFamily="34" charset="-122"/>
+              <a:ea typeface="微软雅黑" panose="020B0503020204020204" pitchFamily="34" charset="-122"/>
+            </a:endParaRPr>
+          </a:p>
+          <a:p>
+            <a:pPr marL="342900" indent="-342900">
+              <a:buFont typeface="+mj-lt"/>
+              <a:buAutoNum type="arabicPeriod"/>
+            </a:pPr>
             <a:r>
               <a:rPr lang="zh-CN" altLang="en-US" dirty="0">
                 <a:latin typeface="微软雅黑" panose="020B0503020204020204" pitchFamily="34" charset="-122"/>
                 <a:ea typeface="微软雅黑" panose="020B0503020204020204" pitchFamily="34" charset="-122"/>
               </a:rPr>
-              <a:t>操作系统等也</a:t>
-            </a:r>
+              <a:t>整体，综合优势明显，单方向优势不明显</a:t>
+            </a:r>
+            <a:endParaRPr lang="en-US" altLang="zh-CN" dirty="0">
+              <a:latin typeface="微软雅黑" panose="020B0503020204020204" pitchFamily="34" charset="-122"/>
+              <a:ea typeface="微软雅黑" panose="020B0503020204020204" pitchFamily="34" charset="-122"/>
+            </a:endParaRPr>
+          </a:p>
+          <a:p>
+            <a:pPr marL="342900" indent="-342900">
+              <a:buFont typeface="+mj-lt"/>
+              <a:buAutoNum type="arabicPeriod"/>
+            </a:pPr>
             <a:r>
               <a:rPr lang="zh-CN" altLang="en-US" dirty="0" smtClean="0">
                 <a:latin typeface="微软雅黑" panose="020B0503020204020204" pitchFamily="34" charset="-122"/>
                 <a:ea typeface="微软雅黑" panose="020B0503020204020204" pitchFamily="34" charset="-122"/>
               </a:rPr>
-              <a:t>有</a:t>
+              <a:t>硬件平台性能落后于对手</a:t>
             </a:r>
             <a:endParaRPr lang="en-US" altLang="zh-CN" dirty="0" smtClean="0">
-              <a:latin typeface="微软雅黑" panose="020B0503020204020204" pitchFamily="34" charset="-122"/>
-              <a:ea typeface="微软雅黑" panose="020B0503020204020204" pitchFamily="34" charset="-122"/>
-            </a:endParaRPr>
-          </a:p>
-          <a:p>
-            <a:pPr marL="342900" indent="-342900">
-              <a:buFont typeface="+mj-lt"/>
-              <a:buAutoNum type="arabicPeriod"/>
-            </a:pPr>
-            <a:r>
-              <a:rPr lang="zh-CN" altLang="en-US" dirty="0" smtClean="0">
-                <a:latin typeface="微软雅黑" panose="020B0503020204020204" pitchFamily="34" charset="-122"/>
-                <a:ea typeface="微软雅黑" panose="020B0503020204020204" pitchFamily="34" charset="-122"/>
-              </a:rPr>
-              <a:t>为</a:t>
-            </a:r>
-            <a:r>
-              <a:rPr lang="zh-CN" altLang="zh-CN" dirty="0">
-                <a:latin typeface="微软雅黑" panose="020B0503020204020204" pitchFamily="34" charset="-122"/>
-                <a:ea typeface="微软雅黑" panose="020B0503020204020204" pitchFamily="34" charset="-122"/>
-              </a:rPr>
-              <a:t>全面的了解</a:t>
-            </a:r>
-            <a:r>
-              <a:rPr lang="zh-CN" altLang="en-US" dirty="0">
-                <a:latin typeface="微软雅黑" panose="020B0503020204020204" pitchFamily="34" charset="-122"/>
-                <a:ea typeface="微软雅黑" panose="020B0503020204020204" pitchFamily="34" charset="-122"/>
-              </a:rPr>
-              <a:t>。</a:t>
-            </a:r>
-            <a:r>
-              <a:rPr lang="zh-CN" altLang="zh-CN" dirty="0">
-                <a:latin typeface="微软雅黑" panose="020B0503020204020204" pitchFamily="34" charset="-122"/>
-                <a:ea typeface="微软雅黑" panose="020B0503020204020204" pitchFamily="34" charset="-122"/>
-              </a:rPr>
-              <a:t>达内目前</a:t>
-            </a:r>
-            <a:r>
-              <a:rPr lang="zh-CN" altLang="en-US" dirty="0">
-                <a:latin typeface="微软雅黑" panose="020B0503020204020204" pitchFamily="34" charset="-122"/>
-                <a:ea typeface="微软雅黑" panose="020B0503020204020204" pitchFamily="34" charset="-122"/>
-              </a:rPr>
-              <a:t>有</a:t>
-            </a:r>
-            <a:r>
-              <a:rPr lang="en-US" altLang="zh-CN" dirty="0">
-                <a:latin typeface="微软雅黑" panose="020B0503020204020204" pitchFamily="34" charset="-122"/>
-                <a:ea typeface="微软雅黑" panose="020B0503020204020204" pitchFamily="34" charset="-122"/>
-              </a:rPr>
-              <a:t>12</a:t>
-            </a:r>
-            <a:r>
-              <a:rPr lang="zh-CN" altLang="zh-CN" dirty="0">
-                <a:latin typeface="微软雅黑" panose="020B0503020204020204" pitchFamily="34" charset="-122"/>
-                <a:ea typeface="微软雅黑" panose="020B0503020204020204" pitchFamily="34" charset="-122"/>
-              </a:rPr>
-              <a:t>个课程方向，具备培养“全栈式”软件工程师的实力和</a:t>
-            </a:r>
-            <a:r>
-              <a:rPr lang="zh-CN" altLang="zh-CN" dirty="0" smtClean="0">
-                <a:latin typeface="微软雅黑" panose="020B0503020204020204" pitchFamily="34" charset="-122"/>
-                <a:ea typeface="微软雅黑" panose="020B0503020204020204" pitchFamily="34" charset="-122"/>
-              </a:rPr>
-              <a:t>基础</a:t>
-            </a:r>
-            <a:endParaRPr lang="en-US" altLang="zh-CN" dirty="0">
-              <a:latin typeface="微软雅黑" panose="020B0503020204020204" pitchFamily="34" charset="-122"/>
-              <a:ea typeface="微软雅黑" panose="020B0503020204020204" pitchFamily="34" charset="-122"/>
-            </a:endParaRPr>
-          </a:p>
-          <a:p>
-            <a:pPr marL="342900" indent="-342900">
-              <a:buFont typeface="+mj-lt"/>
-              <a:buAutoNum type="arabicPeriod"/>
-            </a:pPr>
-            <a:r>
-              <a:rPr lang="zh-CN" altLang="en-US" dirty="0" smtClean="0">
-                <a:latin typeface="微软雅黑" panose="020B0503020204020204" pitchFamily="34" charset="-122"/>
-                <a:ea typeface="微软雅黑" panose="020B0503020204020204" pitchFamily="34" charset="-122"/>
-              </a:rPr>
-              <a:t>在</a:t>
-            </a:r>
-            <a:r>
-              <a:rPr lang="zh-CN" altLang="en-US" dirty="0">
-                <a:latin typeface="微软雅黑" panose="020B0503020204020204" pitchFamily="34" charset="-122"/>
-                <a:ea typeface="微软雅黑" panose="020B0503020204020204" pitchFamily="34" charset="-122"/>
-              </a:rPr>
-              <a:t>主修</a:t>
-            </a:r>
-            <a:r>
-              <a:rPr lang="en-US" altLang="zh-CN" dirty="0">
-                <a:latin typeface="微软雅黑" panose="020B0503020204020204" pitchFamily="34" charset="-122"/>
-                <a:ea typeface="微软雅黑" panose="020B0503020204020204" pitchFamily="34" charset="-122"/>
-              </a:rPr>
-              <a:t>Java</a:t>
-            </a:r>
-            <a:r>
-              <a:rPr lang="zh-CN" altLang="en-US" dirty="0">
-                <a:latin typeface="微软雅黑" panose="020B0503020204020204" pitchFamily="34" charset="-122"/>
-                <a:ea typeface="微软雅黑" panose="020B0503020204020204" pitchFamily="34" charset="-122"/>
-              </a:rPr>
-              <a:t>的同时，还可以通过</a:t>
-            </a:r>
-            <a:r>
-              <a:rPr lang="en-US" altLang="zh-CN" dirty="0">
-                <a:latin typeface="微软雅黑" panose="020B0503020204020204" pitchFamily="34" charset="-122"/>
-                <a:ea typeface="微软雅黑" panose="020B0503020204020204" pitchFamily="34" charset="-122"/>
-              </a:rPr>
-              <a:t>TTS</a:t>
-            </a:r>
-            <a:r>
-              <a:rPr lang="zh-CN" altLang="en-US" dirty="0">
-                <a:latin typeface="微软雅黑" panose="020B0503020204020204" pitchFamily="34" charset="-122"/>
-                <a:ea typeface="微软雅黑" panose="020B0503020204020204" pitchFamily="34" charset="-122"/>
-              </a:rPr>
-              <a:t>辅修</a:t>
-            </a:r>
-            <a:r>
-              <a:rPr lang="en-US" altLang="zh-CN" dirty="0">
-                <a:latin typeface="微软雅黑" panose="020B0503020204020204" pitchFamily="34" charset="-122"/>
-                <a:ea typeface="微软雅黑" panose="020B0503020204020204" pitchFamily="34" charset="-122"/>
-              </a:rPr>
-              <a:t>Oracle</a:t>
-            </a:r>
-            <a:r>
-              <a:rPr lang="zh-CN" altLang="zh-CN" dirty="0">
-                <a:latin typeface="微软雅黑" panose="020B0503020204020204" pitchFamily="34" charset="-122"/>
-                <a:ea typeface="微软雅黑" panose="020B0503020204020204" pitchFamily="34" charset="-122"/>
-              </a:rPr>
-              <a:t>、</a:t>
-            </a:r>
-            <a:r>
-              <a:rPr lang="en-US" altLang="zh-CN" dirty="0">
-                <a:latin typeface="微软雅黑" panose="020B0503020204020204" pitchFamily="34" charset="-122"/>
-                <a:ea typeface="微软雅黑" panose="020B0503020204020204" pitchFamily="34" charset="-122"/>
-              </a:rPr>
-              <a:t>Linux</a:t>
-            </a:r>
-            <a:r>
-              <a:rPr lang="zh-CN" altLang="zh-CN" dirty="0">
-                <a:latin typeface="微软雅黑" panose="020B0503020204020204" pitchFamily="34" charset="-122"/>
-                <a:ea typeface="微软雅黑" panose="020B0503020204020204" pitchFamily="34" charset="-122"/>
-              </a:rPr>
-              <a:t>、</a:t>
-            </a:r>
-            <a:r>
-              <a:rPr lang="zh-CN" altLang="en-US" dirty="0">
-                <a:latin typeface="微软雅黑" panose="020B0503020204020204" pitchFamily="34" charset="-122"/>
-                <a:ea typeface="微软雅黑" panose="020B0503020204020204" pitchFamily="34" charset="-122"/>
-              </a:rPr>
-              <a:t>软件测试、大数据技术</a:t>
-            </a:r>
-            <a:r>
-              <a:rPr lang="zh-CN" altLang="zh-CN" dirty="0">
-                <a:latin typeface="微软雅黑" panose="020B0503020204020204" pitchFamily="34" charset="-122"/>
-                <a:ea typeface="微软雅黑" panose="020B0503020204020204" pitchFamily="34" charset="-122"/>
-              </a:rPr>
-              <a:t>等多门课程</a:t>
-            </a:r>
-            <a:r>
-              <a:rPr lang="zh-CN" altLang="en-US" dirty="0">
-                <a:latin typeface="微软雅黑" panose="020B0503020204020204" pitchFamily="34" charset="-122"/>
-                <a:ea typeface="微软雅黑" panose="020B0503020204020204" pitchFamily="34" charset="-122"/>
-              </a:rPr>
-              <a:t>。</a:t>
-            </a:r>
-            <a:endParaRPr lang="en-US" altLang="zh-CN" dirty="0">
               <a:latin typeface="微软雅黑" panose="020B0503020204020204" pitchFamily="34" charset="-122"/>
               <a:ea typeface="微软雅黑" panose="020B0503020204020204" pitchFamily="34" charset="-122"/>
             </a:endParaRPr>
@@ -17890,8 +17707,8 @@
         </p:nvSpPr>
         <p:spPr>
           <a:xfrm>
-            <a:off x="5250119" y="2636912"/>
-            <a:ext cx="5184126" cy="3139321"/>
+            <a:off x="5250118" y="2636912"/>
+            <a:ext cx="5598409" cy="3139321"/>
           </a:xfrm>
           <a:prstGeom prst="rect">
             <a:avLst/>
@@ -17951,7 +17768,14 @@
                 <a:latin typeface="微软雅黑" panose="020B0503020204020204" pitchFamily="34" charset="-122"/>
                 <a:ea typeface="微软雅黑" panose="020B0503020204020204" pitchFamily="34" charset="-122"/>
               </a:rPr>
-              <a:t>课程研发，视频录制</a:t>
+              <a:t>课程研发，视频</a:t>
+            </a:r>
+            <a:r>
+              <a:rPr lang="zh-CN" altLang="en-US" dirty="0" smtClean="0">
+                <a:latin typeface="微软雅黑" panose="020B0503020204020204" pitchFamily="34" charset="-122"/>
+                <a:ea typeface="微软雅黑" panose="020B0503020204020204" pitchFamily="34" charset="-122"/>
+              </a:rPr>
+              <a:t>录制</a:t>
             </a:r>
             <a:endParaRPr lang="en-US" altLang="zh-CN" dirty="0" smtClean="0">
               <a:latin typeface="微软雅黑" panose="020B0503020204020204" pitchFamily="34" charset="-122"/>
@@ -17964,7 +17788,35 @@
               <a:buAutoNum type="arabicPeriod"/>
             </a:pPr>
             <a:r>
-              <a:rPr lang="zh-CN" altLang="en-US" dirty="0">
+              <a:rPr lang="en-US" altLang="zh-CN" dirty="0" smtClean="0">
+                <a:latin typeface="微软雅黑" panose="020B0503020204020204" pitchFamily="34" charset="-122"/>
+                <a:ea typeface="微软雅黑" panose="020B0503020204020204" pitchFamily="34" charset="-122"/>
+              </a:rPr>
+              <a:t>1</a:t>
+            </a:r>
+            <a:r>
+              <a:rPr lang="zh-CN" altLang="en-US" dirty="0" smtClean="0">
+                <a:latin typeface="微软雅黑" panose="020B0503020204020204" pitchFamily="34" charset="-122"/>
+                <a:ea typeface="微软雅黑" panose="020B0503020204020204" pitchFamily="34" charset="-122"/>
+              </a:rPr>
+              <a:t>月</a:t>
+            </a:r>
+            <a:r>
+              <a:rPr lang="en-US" altLang="zh-CN" dirty="0" smtClean="0">
+                <a:latin typeface="微软雅黑" panose="020B0503020204020204" pitchFamily="34" charset="-122"/>
+                <a:ea typeface="微软雅黑" panose="020B0503020204020204" pitchFamily="34" charset="-122"/>
+              </a:rPr>
+              <a:t>-6</a:t>
+            </a:r>
+            <a:r>
+              <a:rPr lang="zh-CN" altLang="en-US" dirty="0" smtClean="0">
+                <a:latin typeface="微软雅黑" panose="020B0503020204020204" pitchFamily="34" charset="-122"/>
+                <a:ea typeface="微软雅黑" panose="020B0503020204020204" pitchFamily="34" charset="-122"/>
+              </a:rPr>
+              <a:t>月完成：</a:t>
+            </a:r>
+            <a:r>
+              <a:rPr lang="zh-CN" altLang="en-US" dirty="0" smtClean="0">
                 <a:latin typeface="微软雅黑" panose="020B0503020204020204" pitchFamily="34" charset="-122"/>
                 <a:ea typeface="微软雅黑" panose="020B0503020204020204" pitchFamily="34" charset="-122"/>
               </a:rPr>
@@ -18082,14 +17934,7 @@
                 <a:latin typeface="微软雅黑" panose="020B0503020204020204" pitchFamily="34" charset="-122"/>
                 <a:ea typeface="微软雅黑" panose="020B0503020204020204" pitchFamily="34" charset="-122"/>
               </a:rPr>
-              <a:t>研发完成，</a:t>
-            </a:r>
-            <a:r>
-              <a:rPr lang="zh-CN" altLang="en-US" dirty="0" smtClean="0">
-                <a:latin typeface="微软雅黑" panose="020B0503020204020204" pitchFamily="34" charset="-122"/>
-                <a:ea typeface="微软雅黑" panose="020B0503020204020204" pitchFamily="34" charset="-122"/>
-              </a:rPr>
-              <a:t>课程部分上线</a:t>
+              <a:t>研发完成，课程部分上线</a:t>
             </a:r>
             <a:endParaRPr lang="en-US" altLang="zh-CN" dirty="0" smtClean="0">
               <a:latin typeface="微软雅黑" panose="020B0503020204020204" pitchFamily="34" charset="-122"/>
@@ -18416,49 +18261,89 @@
                 <a:latin typeface="微软雅黑" panose="020B0503020204020204" pitchFamily="34" charset="-122"/>
                 <a:ea typeface="微软雅黑" panose="020B0503020204020204" pitchFamily="34" charset="-122"/>
               </a:rPr>
-              <a:t>所谓全栈式工程师就是在系统掌握</a:t>
+              <a:t>完成好本方向下半年的正常授课、研发任你务</a:t>
+            </a:r>
+            <a:endParaRPr lang="en-US" altLang="zh-CN" dirty="0" smtClean="0">
+              <a:latin typeface="微软雅黑" panose="020B0503020204020204" pitchFamily="34" charset="-122"/>
+              <a:ea typeface="微软雅黑" panose="020B0503020204020204" pitchFamily="34" charset="-122"/>
+            </a:endParaRPr>
+          </a:p>
+          <a:p>
+            <a:pPr marL="342900" indent="-342900">
+              <a:buFont typeface="+mj-lt"/>
+              <a:buAutoNum type="arabicPeriod"/>
+            </a:pPr>
+            <a:r>
+              <a:rPr lang="zh-CN" altLang="en-US" dirty="0" smtClean="0">
+                <a:latin typeface="微软雅黑" panose="020B0503020204020204" pitchFamily="34" charset="-122"/>
+                <a:ea typeface="微软雅黑" panose="020B0503020204020204" pitchFamily="34" charset="-122"/>
+              </a:rPr>
+              <a:t>做好老师的管理工作，保证本方向师资稳定</a:t>
+            </a:r>
+            <a:endParaRPr lang="en-US" altLang="zh-CN" dirty="0" smtClean="0">
+              <a:latin typeface="微软雅黑" panose="020B0503020204020204" pitchFamily="34" charset="-122"/>
+              <a:ea typeface="微软雅黑" panose="020B0503020204020204" pitchFamily="34" charset="-122"/>
+            </a:endParaRPr>
+          </a:p>
+          <a:p>
+            <a:pPr marL="342900" indent="-342900">
+              <a:buFont typeface="+mj-lt"/>
+              <a:buAutoNum type="arabicPeriod"/>
+            </a:pPr>
+            <a:r>
+              <a:rPr lang="zh-CN" altLang="en-US" dirty="0">
+                <a:latin typeface="微软雅黑" panose="020B0503020204020204" pitchFamily="34" charset="-122"/>
+                <a:ea typeface="微软雅黑" panose="020B0503020204020204" pitchFamily="34" charset="-122"/>
+              </a:rPr>
+              <a:t>完成</a:t>
             </a:r>
             <a:r>
               <a:rPr lang="en-US" altLang="zh-CN" dirty="0" smtClean="0">
                 <a:latin typeface="微软雅黑" panose="020B0503020204020204" pitchFamily="34" charset="-122"/>
                 <a:ea typeface="微软雅黑" panose="020B0503020204020204" pitchFamily="34" charset="-122"/>
               </a:rPr>
-              <a:t>Java</a:t>
+              <a:t>TMOOC</a:t>
             </a:r>
             <a:r>
               <a:rPr lang="zh-CN" altLang="en-US" dirty="0" smtClean="0">
                 <a:latin typeface="微软雅黑" panose="020B0503020204020204" pitchFamily="34" charset="-122"/>
                 <a:ea typeface="微软雅黑" panose="020B0503020204020204" pitchFamily="34" charset="-122"/>
               </a:rPr>
-              <a:t>技术的基础</a:t>
-            </a:r>
-            <a:r>
-              <a:rPr lang="zh-CN" altLang="en-US" dirty="0">
-                <a:latin typeface="微软雅黑" panose="020B0503020204020204" pitchFamily="34" charset="-122"/>
-                <a:ea typeface="微软雅黑" panose="020B0503020204020204" pitchFamily="34" charset="-122"/>
-              </a:rPr>
-              <a:t>上，对数据库、</a:t>
-            </a:r>
-            <a:r>
-              <a:rPr lang="en-US" altLang="zh-CN" dirty="0">
-                <a:latin typeface="微软雅黑" panose="020B0503020204020204" pitchFamily="34" charset="-122"/>
-                <a:ea typeface="微软雅黑" panose="020B0503020204020204" pitchFamily="34" charset="-122"/>
-              </a:rPr>
-              <a:t>Linux</a:t>
-            </a:r>
-            <a:r>
-              <a:rPr lang="zh-CN" altLang="en-US" dirty="0">
-                <a:latin typeface="微软雅黑" panose="020B0503020204020204" pitchFamily="34" charset="-122"/>
-                <a:ea typeface="微软雅黑" panose="020B0503020204020204" pitchFamily="34" charset="-122"/>
-              </a:rPr>
-              <a:t>操作系统等也</a:t>
-            </a:r>
+              <a:t>线上课程研发，维护工作</a:t>
+            </a:r>
+            <a:endParaRPr lang="en-US" altLang="zh-CN" dirty="0" smtClean="0">
+              <a:latin typeface="微软雅黑" panose="020B0503020204020204" pitchFamily="34" charset="-122"/>
+              <a:ea typeface="微软雅黑" panose="020B0503020204020204" pitchFamily="34" charset="-122"/>
+            </a:endParaRPr>
+          </a:p>
+          <a:p>
+            <a:pPr marL="342900" indent="-342900">
+              <a:buFont typeface="+mj-lt"/>
+              <a:buAutoNum type="arabicPeriod"/>
+            </a:pPr>
             <a:r>
               <a:rPr lang="zh-CN" altLang="en-US" dirty="0" smtClean="0">
                 <a:latin typeface="微软雅黑" panose="020B0503020204020204" pitchFamily="34" charset="-122"/>
                 <a:ea typeface="微软雅黑" panose="020B0503020204020204" pitchFamily="34" charset="-122"/>
               </a:rPr>
-              <a:t>有</a:t>
+              <a:t>做好销售的技术支持工作</a:t>
+            </a:r>
+            <a:endParaRPr lang="en-US" altLang="zh-CN" dirty="0">
+              <a:latin typeface="微软雅黑" panose="020B0503020204020204" pitchFamily="34" charset="-122"/>
+              <a:ea typeface="微软雅黑" panose="020B0503020204020204" pitchFamily="34" charset="-122"/>
+            </a:endParaRPr>
+          </a:p>
+          <a:p>
+            <a:pPr marL="342900" indent="-342900">
+              <a:buFont typeface="+mj-lt"/>
+              <a:buAutoNum type="arabicPeriod"/>
+            </a:pPr>
+            <a:r>
+              <a:rPr lang="zh-CN" altLang="en-US" dirty="0" smtClean="0">
+                <a:latin typeface="微软雅黑" panose="020B0503020204020204" pitchFamily="34" charset="-122"/>
+                <a:ea typeface="微软雅黑" panose="020B0503020204020204" pitchFamily="34" charset="-122"/>
+              </a:rPr>
+              <a:t>分析对手课程，做好课程更新维护工作</a:t>
             </a:r>
             <a:endParaRPr lang="en-US" altLang="zh-CN" dirty="0" smtClean="0">
               <a:latin typeface="微软雅黑" panose="020B0503020204020204" pitchFamily="34" charset="-122"/>
@@ -18475,157 +18360,31 @@
                 <a:latin typeface="微软雅黑" panose="020B0503020204020204" pitchFamily="34" charset="-122"/>
                 <a:ea typeface="微软雅黑" panose="020B0503020204020204" pitchFamily="34" charset="-122"/>
               </a:rPr>
-              <a:t>为</a:t>
-            </a:r>
-            <a:r>
-              <a:rPr lang="zh-CN" altLang="zh-CN" dirty="0">
-                <a:latin typeface="微软雅黑" panose="020B0503020204020204" pitchFamily="34" charset="-122"/>
-                <a:ea typeface="微软雅黑" panose="020B0503020204020204" pitchFamily="34" charset="-122"/>
-              </a:rPr>
-              <a:t>全面的了解</a:t>
-            </a:r>
-            <a:r>
-              <a:rPr lang="zh-CN" altLang="en-US" dirty="0">
-                <a:latin typeface="微软雅黑" panose="020B0503020204020204" pitchFamily="34" charset="-122"/>
-                <a:ea typeface="微软雅黑" panose="020B0503020204020204" pitchFamily="34" charset="-122"/>
-              </a:rPr>
-              <a:t>。</a:t>
-            </a:r>
-            <a:r>
-              <a:rPr lang="zh-CN" altLang="zh-CN" dirty="0">
-                <a:latin typeface="微软雅黑" panose="020B0503020204020204" pitchFamily="34" charset="-122"/>
-                <a:ea typeface="微软雅黑" panose="020B0503020204020204" pitchFamily="34" charset="-122"/>
-              </a:rPr>
-              <a:t>达内目前</a:t>
-            </a:r>
-            <a:r>
-              <a:rPr lang="zh-CN" altLang="en-US" dirty="0">
-                <a:latin typeface="微软雅黑" panose="020B0503020204020204" pitchFamily="34" charset="-122"/>
-                <a:ea typeface="微软雅黑" panose="020B0503020204020204" pitchFamily="34" charset="-122"/>
-              </a:rPr>
-              <a:t>有</a:t>
-            </a:r>
-            <a:r>
-              <a:rPr lang="en-US" altLang="zh-CN" dirty="0">
-                <a:latin typeface="微软雅黑" panose="020B0503020204020204" pitchFamily="34" charset="-122"/>
-                <a:ea typeface="微软雅黑" panose="020B0503020204020204" pitchFamily="34" charset="-122"/>
-              </a:rPr>
-              <a:t>12</a:t>
-            </a:r>
-            <a:r>
-              <a:rPr lang="zh-CN" altLang="zh-CN" dirty="0">
-                <a:latin typeface="微软雅黑" panose="020B0503020204020204" pitchFamily="34" charset="-122"/>
-                <a:ea typeface="微软雅黑" panose="020B0503020204020204" pitchFamily="34" charset="-122"/>
-              </a:rPr>
-              <a:t>个课程方向，具备培养“全栈式”软件工程师的实力和</a:t>
-            </a:r>
-            <a:r>
-              <a:rPr lang="zh-CN" altLang="zh-CN" dirty="0" smtClean="0">
-                <a:latin typeface="微软雅黑" panose="020B0503020204020204" pitchFamily="34" charset="-122"/>
-                <a:ea typeface="微软雅黑" panose="020B0503020204020204" pitchFamily="34" charset="-122"/>
-              </a:rPr>
-              <a:t>基础</a:t>
-            </a:r>
-            <a:endParaRPr lang="en-US" altLang="zh-CN" dirty="0">
-              <a:latin typeface="微软雅黑" panose="020B0503020204020204" pitchFamily="34" charset="-122"/>
-              <a:ea typeface="微软雅黑" panose="020B0503020204020204" pitchFamily="34" charset="-122"/>
-            </a:endParaRPr>
-          </a:p>
-          <a:p>
-            <a:pPr marL="342900" indent="-342900">
-              <a:buFont typeface="+mj-lt"/>
-              <a:buAutoNum type="arabicPeriod"/>
-            </a:pPr>
+              <a:t>根据市场需要研发新</a:t>
+            </a:r>
             <a:r>
               <a:rPr lang="zh-CN" altLang="en-US" dirty="0" smtClean="0">
                 <a:latin typeface="微软雅黑" panose="020B0503020204020204" pitchFamily="34" charset="-122"/>
                 <a:ea typeface="微软雅黑" panose="020B0503020204020204" pitchFamily="34" charset="-122"/>
               </a:rPr>
-              <a:t>在</a:t>
-            </a:r>
-            <a:r>
-              <a:rPr lang="zh-CN" altLang="en-US" dirty="0">
+              <a:t>课程</a:t>
+            </a:r>
+            <a:endParaRPr lang="en-US" altLang="zh-CN" dirty="0" smtClean="0">
+              <a:latin typeface="微软雅黑" panose="020B0503020204020204" pitchFamily="34" charset="-122"/>
+              <a:ea typeface="微软雅黑" panose="020B0503020204020204" pitchFamily="34" charset="-122"/>
+            </a:endParaRPr>
+          </a:p>
+          <a:p>
+            <a:pPr marL="800100" lvl="1" indent="-342900">
+              <a:buFont typeface="+mj-lt"/>
+              <a:buAutoNum type="arabicPeriod"/>
+            </a:pPr>
+            <a:r>
+              <a:rPr lang="zh-CN" altLang="en-US" dirty="0" smtClean="0">
                 <a:latin typeface="微软雅黑" panose="020B0503020204020204" pitchFamily="34" charset="-122"/>
                 <a:ea typeface="微软雅黑" panose="020B0503020204020204" pitchFamily="34" charset="-122"/>
               </a:rPr>
-              <a:t>主修</a:t>
-            </a:r>
-            <a:r>
-              <a:rPr lang="en-US" altLang="zh-CN" dirty="0">
-                <a:latin typeface="微软雅黑" panose="020B0503020204020204" pitchFamily="34" charset="-122"/>
-                <a:ea typeface="微软雅黑" panose="020B0503020204020204" pitchFamily="34" charset="-122"/>
-              </a:rPr>
-              <a:t>Java</a:t>
-            </a:r>
-            <a:r>
-              <a:rPr lang="zh-CN" altLang="en-US" dirty="0">
-                <a:latin typeface="微软雅黑" panose="020B0503020204020204" pitchFamily="34" charset="-122"/>
-                <a:ea typeface="微软雅黑" panose="020B0503020204020204" pitchFamily="34" charset="-122"/>
-              </a:rPr>
-              <a:t>的同时，还可以通过</a:t>
-            </a:r>
-            <a:r>
-              <a:rPr lang="en-US" altLang="zh-CN" dirty="0">
-                <a:latin typeface="微软雅黑" panose="020B0503020204020204" pitchFamily="34" charset="-122"/>
-                <a:ea typeface="微软雅黑" panose="020B0503020204020204" pitchFamily="34" charset="-122"/>
-              </a:rPr>
-              <a:t>TTS</a:t>
-            </a:r>
-            <a:r>
-              <a:rPr lang="zh-CN" altLang="en-US" dirty="0">
-                <a:latin typeface="微软雅黑" panose="020B0503020204020204" pitchFamily="34" charset="-122"/>
-                <a:ea typeface="微软雅黑" panose="020B0503020204020204" pitchFamily="34" charset="-122"/>
-              </a:rPr>
-              <a:t>辅修</a:t>
-            </a:r>
-            <a:r>
-              <a:rPr lang="en-US" altLang="zh-CN" dirty="0">
-                <a:latin typeface="微软雅黑" panose="020B0503020204020204" pitchFamily="34" charset="-122"/>
-                <a:ea typeface="微软雅黑" panose="020B0503020204020204" pitchFamily="34" charset="-122"/>
-              </a:rPr>
-              <a:t>Oracle</a:t>
-            </a:r>
-            <a:r>
-              <a:rPr lang="zh-CN" altLang="zh-CN" dirty="0">
-                <a:latin typeface="微软雅黑" panose="020B0503020204020204" pitchFamily="34" charset="-122"/>
-                <a:ea typeface="微软雅黑" panose="020B0503020204020204" pitchFamily="34" charset="-122"/>
-              </a:rPr>
-              <a:t>、</a:t>
-            </a:r>
-            <a:r>
-              <a:rPr lang="en-US" altLang="zh-CN" dirty="0">
-                <a:latin typeface="微软雅黑" panose="020B0503020204020204" pitchFamily="34" charset="-122"/>
-                <a:ea typeface="微软雅黑" panose="020B0503020204020204" pitchFamily="34" charset="-122"/>
-              </a:rPr>
-              <a:t>Linux</a:t>
-            </a:r>
-            <a:r>
-              <a:rPr lang="zh-CN" altLang="zh-CN" dirty="0">
-                <a:latin typeface="微软雅黑" panose="020B0503020204020204" pitchFamily="34" charset="-122"/>
-                <a:ea typeface="微软雅黑" panose="020B0503020204020204" pitchFamily="34" charset="-122"/>
-              </a:rPr>
-              <a:t>、</a:t>
-            </a:r>
-            <a:r>
-              <a:rPr lang="zh-CN" altLang="en-US" dirty="0">
-                <a:latin typeface="微软雅黑" panose="020B0503020204020204" pitchFamily="34" charset="-122"/>
-                <a:ea typeface="微软雅黑" panose="020B0503020204020204" pitchFamily="34" charset="-122"/>
-              </a:rPr>
-              <a:t>软件测试、大数据技术</a:t>
-            </a:r>
-            <a:r>
-              <a:rPr lang="zh-CN" altLang="zh-CN" dirty="0">
-                <a:latin typeface="微软雅黑" panose="020B0503020204020204" pitchFamily="34" charset="-122"/>
-                <a:ea typeface="微软雅黑" panose="020B0503020204020204" pitchFamily="34" charset="-122"/>
-              </a:rPr>
-              <a:t>等多门课程</a:t>
-            </a:r>
-            <a:r>
-              <a:rPr lang="zh-CN" altLang="en-US" dirty="0">
-                <a:latin typeface="微软雅黑" panose="020B0503020204020204" pitchFamily="34" charset="-122"/>
-                <a:ea typeface="微软雅黑" panose="020B0503020204020204" pitchFamily="34" charset="-122"/>
-              </a:rPr>
-              <a:t>。</a:t>
+              <a:t>智能硬件方向</a:t>
             </a:r>
             <a:endParaRPr lang="en-US" altLang="zh-CN" dirty="0">
               <a:latin typeface="微软雅黑" panose="020B0503020204020204" pitchFamily="34" charset="-122"/>

--- a/2015年中工作会/2015集团教学总监年中工作会_ESD_冯华.pptx
+++ b/2015年中工作会/2015集团教学总监年中工作会_ESD_冯华.pptx
@@ -8111,7 +8111,7 @@
         <p:spPr>
           <a:xfrm>
             <a:off x="839416" y="1844824"/>
-            <a:ext cx="9433048" cy="923330"/>
+            <a:ext cx="9433048" cy="2585323"/>
           </a:xfrm>
           <a:prstGeom prst="rect">
             <a:avLst/>
@@ -8133,49 +8133,65 @@
                 <a:latin typeface="微软雅黑" panose="020B0503020204020204" pitchFamily="34" charset="-122"/>
                 <a:ea typeface="微软雅黑" panose="020B0503020204020204" pitchFamily="34" charset="-122"/>
               </a:rPr>
-              <a:t>所谓</a:t>
-            </a:r>
+              <a:t>稳中求变</a:t>
+            </a:r>
+            <a:endParaRPr lang="en-US" altLang="zh-CN" dirty="0" smtClean="0">
+              <a:latin typeface="微软雅黑" panose="020B0503020204020204" pitchFamily="34" charset="-122"/>
+              <a:ea typeface="微软雅黑" panose="020B0503020204020204" pitchFamily="34" charset="-122"/>
+            </a:endParaRPr>
+          </a:p>
+          <a:p>
+            <a:pPr marL="800100" lvl="1" indent="-342900">
+              <a:buFont typeface="+mj-lt"/>
+              <a:buAutoNum type="arabicPeriod"/>
+            </a:pPr>
+            <a:r>
+              <a:rPr lang="zh-CN" altLang="en-US" dirty="0" smtClean="0">
+                <a:latin typeface="微软雅黑" panose="020B0503020204020204" pitchFamily="34" charset="-122"/>
+                <a:ea typeface="微软雅黑" panose="020B0503020204020204" pitchFamily="34" charset="-122"/>
+              </a:rPr>
+              <a:t>保证现有课程稳定，开始新课程</a:t>
+            </a:r>
+            <a:endParaRPr lang="en-US" altLang="zh-CN" dirty="0" smtClean="0">
+              <a:latin typeface="微软雅黑" panose="020B0503020204020204" pitchFamily="34" charset="-122"/>
+              <a:ea typeface="微软雅黑" panose="020B0503020204020204" pitchFamily="34" charset="-122"/>
+            </a:endParaRPr>
+          </a:p>
+          <a:p>
+            <a:pPr marL="342900" indent="-342900">
+              <a:buFont typeface="+mj-lt"/>
+              <a:buAutoNum type="arabicPeriod"/>
+            </a:pPr>
+            <a:r>
+              <a:rPr lang="zh-CN" altLang="en-US" dirty="0" smtClean="0">
+                <a:latin typeface="微软雅黑" panose="020B0503020204020204" pitchFamily="34" charset="-122"/>
+                <a:ea typeface="微软雅黑" panose="020B0503020204020204" pitchFamily="34" charset="-122"/>
+              </a:rPr>
+              <a:t>线上线下结合、细分差异化</a:t>
+            </a:r>
+            <a:endParaRPr lang="en-US" altLang="zh-CN" dirty="0" smtClean="0">
+              <a:latin typeface="微软雅黑" panose="020B0503020204020204" pitchFamily="34" charset="-122"/>
+              <a:ea typeface="微软雅黑" panose="020B0503020204020204" pitchFamily="34" charset="-122"/>
+            </a:endParaRPr>
+          </a:p>
+          <a:p>
+            <a:pPr marL="342900" indent="-342900">
+              <a:buFont typeface="+mj-lt"/>
+              <a:buAutoNum type="arabicPeriod"/>
+            </a:pPr>
             <a:r>
               <a:rPr lang="zh-CN" altLang="en-US" dirty="0">
                 <a:latin typeface="微软雅黑" panose="020B0503020204020204" pitchFamily="34" charset="-122"/>
                 <a:ea typeface="微软雅黑" panose="020B0503020204020204" pitchFamily="34" charset="-122"/>
               </a:rPr>
-              <a:t>全栈式工程师就是在系统掌握</a:t>
-            </a:r>
-            <a:r>
-              <a:rPr lang="en-US" altLang="zh-CN" dirty="0">
-                <a:latin typeface="微软雅黑" panose="020B0503020204020204" pitchFamily="34" charset="-122"/>
-                <a:ea typeface="微软雅黑" panose="020B0503020204020204" pitchFamily="34" charset="-122"/>
-              </a:rPr>
-              <a:t>Java</a:t>
-            </a:r>
-            <a:r>
-              <a:rPr lang="zh-CN" altLang="en-US" dirty="0">
-                <a:latin typeface="微软雅黑" panose="020B0503020204020204" pitchFamily="34" charset="-122"/>
-                <a:ea typeface="微软雅黑" panose="020B0503020204020204" pitchFamily="34" charset="-122"/>
-              </a:rPr>
-              <a:t>技术的基础上，对数据库、</a:t>
-            </a:r>
-            <a:r>
-              <a:rPr lang="en-US" altLang="zh-CN" dirty="0">
-                <a:latin typeface="微软雅黑" panose="020B0503020204020204" pitchFamily="34" charset="-122"/>
-                <a:ea typeface="微软雅黑" panose="020B0503020204020204" pitchFamily="34" charset="-122"/>
-              </a:rPr>
-              <a:t>Linux</a:t>
-            </a:r>
-            <a:r>
-              <a:rPr lang="zh-CN" altLang="en-US" dirty="0">
-                <a:latin typeface="微软雅黑" panose="020B0503020204020204" pitchFamily="34" charset="-122"/>
-                <a:ea typeface="微软雅黑" panose="020B0503020204020204" pitchFamily="34" charset="-122"/>
-              </a:rPr>
-              <a:t>操作系统等也</a:t>
+              <a:t>抓行业</a:t>
             </a:r>
             <a:r>
               <a:rPr lang="zh-CN" altLang="en-US" dirty="0" smtClean="0">
                 <a:latin typeface="微软雅黑" panose="020B0503020204020204" pitchFamily="34" charset="-122"/>
                 <a:ea typeface="微软雅黑" panose="020B0503020204020204" pitchFamily="34" charset="-122"/>
               </a:rPr>
-              <a:t>有</a:t>
+              <a:t>热点</a:t>
             </a:r>
             <a:endParaRPr lang="en-US" altLang="zh-CN" dirty="0" smtClean="0">
               <a:latin typeface="微软雅黑" panose="020B0503020204020204" pitchFamily="34" charset="-122"/>
@@ -8183,140 +8199,171 @@
             </a:endParaRPr>
           </a:p>
           <a:p>
+            <a:pPr marL="800100" lvl="1" indent="-342900">
+              <a:buFont typeface="+mj-lt"/>
+              <a:buAutoNum type="arabicPeriod"/>
+            </a:pPr>
+            <a:r>
+              <a:rPr lang="zh-CN" altLang="en-US" dirty="0" smtClean="0">
+                <a:latin typeface="微软雅黑" panose="020B0503020204020204" pitchFamily="34" charset="-122"/>
+                <a:ea typeface="微软雅黑" panose="020B0503020204020204" pitchFamily="34" charset="-122"/>
+              </a:rPr>
+              <a:t>如，智能硬件，少年创客等</a:t>
+            </a:r>
+            <a:endParaRPr lang="en-US" altLang="zh-CN" dirty="0">
+              <a:latin typeface="微软雅黑" panose="020B0503020204020204" pitchFamily="34" charset="-122"/>
+              <a:ea typeface="微软雅黑" panose="020B0503020204020204" pitchFamily="34" charset="-122"/>
+            </a:endParaRPr>
+          </a:p>
+          <a:p>
             <a:pPr marL="342900" indent="-342900">
               <a:buFont typeface="+mj-lt"/>
               <a:buAutoNum type="arabicPeriod"/>
             </a:pPr>
             <a:r>
-              <a:rPr lang="zh-CN" altLang="zh-CN" dirty="0" smtClean="0">
+              <a:rPr lang="zh-CN" altLang="en-US" dirty="0" smtClean="0">
                 <a:latin typeface="微软雅黑" panose="020B0503020204020204" pitchFamily="34" charset="-122"/>
                 <a:ea typeface="微软雅黑" panose="020B0503020204020204" pitchFamily="34" charset="-122"/>
               </a:rPr>
-              <a:t>达</a:t>
-            </a:r>
-            <a:r>
-              <a:rPr lang="zh-CN" altLang="zh-CN" dirty="0">
+              <a:t>开展</a:t>
+            </a:r>
+            <a:r>
+              <a:rPr lang="zh-CN" altLang="en-US" dirty="0" smtClean="0">
                 <a:latin typeface="微软雅黑" panose="020B0503020204020204" pitchFamily="34" charset="-122"/>
                 <a:ea typeface="微软雅黑" panose="020B0503020204020204" pitchFamily="34" charset="-122"/>
               </a:rPr>
-              <a:t>内目前</a:t>
-            </a:r>
-            <a:r>
-              <a:rPr lang="zh-CN" altLang="en-US" dirty="0">
+              <a:t>技术企业合作</a:t>
+            </a:r>
+            <a:endParaRPr lang="en-US" altLang="zh-CN" dirty="0" smtClean="0">
+              <a:latin typeface="微软雅黑" panose="020B0503020204020204" pitchFamily="34" charset="-122"/>
+              <a:ea typeface="微软雅黑" panose="020B0503020204020204" pitchFamily="34" charset="-122"/>
+            </a:endParaRPr>
+          </a:p>
+          <a:p>
+            <a:pPr marL="342900" indent="-342900">
+              <a:buFont typeface="+mj-lt"/>
+              <a:buAutoNum type="arabicPeriod"/>
+            </a:pPr>
+            <a:r>
+              <a:rPr lang="zh-CN" altLang="en-US" dirty="0" smtClean="0">
                 <a:latin typeface="微软雅黑" panose="020B0503020204020204" pitchFamily="34" charset="-122"/>
                 <a:ea typeface="微软雅黑" panose="020B0503020204020204" pitchFamily="34" charset="-122"/>
               </a:rPr>
-              <a:t>有</a:t>
-            </a:r>
-            <a:r>
-              <a:rPr lang="en-US" altLang="zh-CN" dirty="0">
+              <a:t>开展技术推广活动，促进招生，培养口碑</a:t>
+            </a:r>
+            <a:endParaRPr lang="en-US" altLang="zh-CN" dirty="0" smtClean="0">
+              <a:latin typeface="微软雅黑" panose="020B0503020204020204" pitchFamily="34" charset="-122"/>
+              <a:ea typeface="微软雅黑" panose="020B0503020204020204" pitchFamily="34" charset="-122"/>
+            </a:endParaRPr>
+          </a:p>
+          <a:p>
+            <a:pPr marL="800100" lvl="1" indent="-342900">
+              <a:buFont typeface="+mj-lt"/>
+              <a:buAutoNum type="arabicPeriod"/>
+            </a:pPr>
+            <a:r>
+              <a:rPr lang="zh-CN" altLang="en-US" dirty="0" smtClean="0">
                 <a:latin typeface="微软雅黑" panose="020B0503020204020204" pitchFamily="34" charset="-122"/>
                 <a:ea typeface="微软雅黑" panose="020B0503020204020204" pitchFamily="34" charset="-122"/>
               </a:rPr>
-              <a:t>12</a:t>
-            </a:r>
-            <a:r>
-              <a:rPr lang="zh-CN" altLang="zh-CN" dirty="0">
+              <a:t>以</a:t>
+            </a:r>
+            <a:r>
+              <a:rPr lang="en-US" altLang="zh-CN" dirty="0" smtClean="0">
                 <a:latin typeface="微软雅黑" panose="020B0503020204020204" pitchFamily="34" charset="-122"/>
                 <a:ea typeface="微软雅黑" panose="020B0503020204020204" pitchFamily="34" charset="-122"/>
               </a:rPr>
-              <a:t>个课程方向，具备培养“全栈式”软件工程师的实力和</a:t>
-            </a:r>
-            <a:r>
-              <a:rPr lang="zh-CN" altLang="zh-CN" dirty="0" smtClean="0">
+              <a:t>TMOOC</a:t>
+            </a:r>
+            <a:r>
+              <a:rPr lang="zh-CN" altLang="en-US" dirty="0" smtClean="0">
                 <a:latin typeface="微软雅黑" panose="020B0503020204020204" pitchFamily="34" charset="-122"/>
                 <a:ea typeface="微软雅黑" panose="020B0503020204020204" pitchFamily="34" charset="-122"/>
               </a:rPr>
-              <a:t>基础</a:t>
-            </a:r>
+              <a:t>技术答疑团队为基础</a:t>
+            </a:r>
+            <a:endParaRPr lang="en-US" altLang="zh-CN" dirty="0" smtClean="0">
+              <a:latin typeface="微软雅黑" panose="020B0503020204020204" pitchFamily="34" charset="-122"/>
+              <a:ea typeface="微软雅黑" panose="020B0503020204020204" pitchFamily="34" charset="-122"/>
+            </a:endParaRPr>
+          </a:p>
+          <a:p>
+            <a:pPr marL="342900" indent="-342900">
+              <a:buFont typeface="+mj-lt"/>
+              <a:buAutoNum type="arabicPeriod"/>
+            </a:pPr>
             <a:endParaRPr lang="en-US" altLang="zh-CN" dirty="0">
               <a:latin typeface="微软雅黑" panose="020B0503020204020204" pitchFamily="34" charset="-122"/>
               <a:ea typeface="微软雅黑" panose="020B0503020204020204" pitchFamily="34" charset="-122"/>
             </a:endParaRPr>
           </a:p>
-          <a:p>
-            <a:pPr marL="342900" indent="-342900">
-              <a:buFont typeface="+mj-lt"/>
-              <a:buAutoNum type="arabicPeriod"/>
-            </a:pPr>
-            <a:r>
-              <a:rPr lang="zh-CN" altLang="en-US" dirty="0" smtClean="0">
+        </p:txBody>
+      </p:sp>
+      <p:sp>
+        <p:nvSpPr>
+          <p:cNvPr id="2" name="文本框 1"/>
+          <p:cNvSpPr txBox="1"/>
+          <p:nvPr/>
+        </p:nvSpPr>
+        <p:spPr>
+          <a:xfrm>
+            <a:off x="7824192" y="1844824"/>
+            <a:ext cx="2592288" cy="369332"/>
+          </a:xfrm>
+          <a:prstGeom prst="rect">
+            <a:avLst/>
+          </a:prstGeom>
+          <a:noFill/>
+        </p:spPr>
+        <p:txBody>
+          <a:bodyPr wrap="square" rtlCol="0">
+            <a:spAutoFit/>
+          </a:bodyPr>
+          <a:lstStyle/>
+          <a:p>
+            <a:r>
+              <a:rPr lang="zh-CN" altLang="en-US" b="1" dirty="0" smtClean="0">
                 <a:latin typeface="微软雅黑" panose="020B0503020204020204" pitchFamily="34" charset="-122"/>
                 <a:ea typeface="微软雅黑" panose="020B0503020204020204" pitchFamily="34" charset="-122"/>
               </a:rPr>
-              <a:t>还</a:t>
-            </a:r>
-            <a:r>
-              <a:rPr lang="zh-CN" altLang="en-US" dirty="0">
+              <a:t>架构：</a:t>
+            </a:r>
+            <a:r>
+              <a:rPr lang="en-US" altLang="zh-CN" b="1" dirty="0" smtClean="0">
                 <a:latin typeface="微软雅黑" panose="020B0503020204020204" pitchFamily="34" charset="-122"/>
                 <a:ea typeface="微软雅黑" panose="020B0503020204020204" pitchFamily="34" charset="-122"/>
               </a:rPr>
-              <a:t>可以通过</a:t>
-            </a:r>
-            <a:r>
-              <a:rPr lang="en-US" altLang="zh-CN" dirty="0">
+              <a:t>”</a:t>
+            </a:r>
+            <a:r>
+              <a:rPr lang="zh-CN" altLang="en-US" b="1" dirty="0" smtClean="0">
                 <a:latin typeface="微软雅黑" panose="020B0503020204020204" pitchFamily="34" charset="-122"/>
                 <a:ea typeface="微软雅黑" panose="020B0503020204020204" pitchFamily="34" charset="-122"/>
               </a:rPr>
-              <a:t>TTS</a:t>
-            </a:r>
-            <a:r>
-              <a:rPr lang="zh-CN" altLang="en-US" dirty="0">
+              <a:t>端</a:t>
+            </a:r>
+            <a:r>
+              <a:rPr lang="en-US" altLang="zh-CN" b="1" dirty="0" smtClean="0">
                 <a:latin typeface="微软雅黑" panose="020B0503020204020204" pitchFamily="34" charset="-122"/>
                 <a:ea typeface="微软雅黑" panose="020B0503020204020204" pitchFamily="34" charset="-122"/>
               </a:rPr>
-              <a:t>辅修</a:t>
-            </a:r>
-            <a:r>
-              <a:rPr lang="en-US" altLang="zh-CN" dirty="0">
+              <a:t>+</a:t>
+            </a:r>
+            <a:r>
+              <a:rPr lang="zh-CN" altLang="en-US" b="1" dirty="0" smtClean="0">
                 <a:latin typeface="微软雅黑" panose="020B0503020204020204" pitchFamily="34" charset="-122"/>
                 <a:ea typeface="微软雅黑" panose="020B0503020204020204" pitchFamily="34" charset="-122"/>
               </a:rPr>
-              <a:t>Oracle</a:t>
-            </a:r>
-            <a:r>
-              <a:rPr lang="zh-CN" altLang="zh-CN" dirty="0">
+              <a:t>云</a:t>
+            </a:r>
+            <a:r>
+              <a:rPr lang="en-US" altLang="zh-CN" b="1" dirty="0" smtClean="0">
                 <a:latin typeface="微软雅黑" panose="020B0503020204020204" pitchFamily="34" charset="-122"/>
                 <a:ea typeface="微软雅黑" panose="020B0503020204020204" pitchFamily="34" charset="-122"/>
               </a:rPr>
-              <a:t>、</a:t>
-            </a:r>
-            <a:r>
-              <a:rPr lang="en-US" altLang="zh-CN" dirty="0">
-                <a:latin typeface="微软雅黑" panose="020B0503020204020204" pitchFamily="34" charset="-122"/>
-                <a:ea typeface="微软雅黑" panose="020B0503020204020204" pitchFamily="34" charset="-122"/>
-              </a:rPr>
-              <a:t>Linux</a:t>
-            </a:r>
-            <a:r>
-              <a:rPr lang="zh-CN" altLang="zh-CN" dirty="0">
-                <a:latin typeface="微软雅黑" panose="020B0503020204020204" pitchFamily="34" charset="-122"/>
-                <a:ea typeface="微软雅黑" panose="020B0503020204020204" pitchFamily="34" charset="-122"/>
-              </a:rPr>
-              <a:t>、</a:t>
-            </a:r>
-            <a:r>
-              <a:rPr lang="zh-CN" altLang="en-US" dirty="0">
-                <a:latin typeface="微软雅黑" panose="020B0503020204020204" pitchFamily="34" charset="-122"/>
-                <a:ea typeface="微软雅黑" panose="020B0503020204020204" pitchFamily="34" charset="-122"/>
-              </a:rPr>
-              <a:t>软件测试、大数据技术</a:t>
-            </a:r>
-            <a:r>
-              <a:rPr lang="zh-CN" altLang="zh-CN" dirty="0">
-                <a:latin typeface="微软雅黑" panose="020B0503020204020204" pitchFamily="34" charset="-122"/>
-                <a:ea typeface="微软雅黑" panose="020B0503020204020204" pitchFamily="34" charset="-122"/>
-              </a:rPr>
-              <a:t>等多门课程</a:t>
-            </a:r>
-            <a:r>
-              <a:rPr lang="zh-CN" altLang="en-US" dirty="0">
-                <a:latin typeface="微软雅黑" panose="020B0503020204020204" pitchFamily="34" charset="-122"/>
-                <a:ea typeface="微软雅黑" panose="020B0503020204020204" pitchFamily="34" charset="-122"/>
-              </a:rPr>
-              <a:t>。</a:t>
-            </a:r>
-            <a:endParaRPr lang="en-US" altLang="zh-CN" dirty="0">
+              <a:t>”</a:t>
+            </a:r>
+            <a:endParaRPr lang="zh-CN" altLang="en-US" b="1" dirty="0">
               <a:latin typeface="微软雅黑" panose="020B0503020204020204" pitchFamily="34" charset="-122"/>
               <a:ea typeface="微软雅黑" panose="020B0503020204020204" pitchFamily="34" charset="-122"/>
             </a:endParaRPr>
@@ -8446,7 +8493,7 @@
         <p:spPr>
           <a:xfrm>
             <a:off x="839416" y="1844824"/>
-            <a:ext cx="9433048" cy="923330"/>
+            <a:ext cx="9433048" cy="2308324"/>
           </a:xfrm>
           <a:prstGeom prst="rect">
             <a:avLst/>
@@ -8468,49 +8515,24 @@
                 <a:latin typeface="微软雅黑" panose="020B0503020204020204" pitchFamily="34" charset="-122"/>
                 <a:ea typeface="微软雅黑" panose="020B0503020204020204" pitchFamily="34" charset="-122"/>
               </a:rPr>
-              <a:t>所谓</a:t>
-            </a:r>
-            <a:r>
-              <a:rPr lang="zh-CN" altLang="en-US" dirty="0">
-                <a:latin typeface="微软雅黑" panose="020B0503020204020204" pitchFamily="34" charset="-122"/>
-                <a:ea typeface="微软雅黑" panose="020B0503020204020204" pitchFamily="34" charset="-122"/>
-              </a:rPr>
-              <a:t>全栈式工程师就是在系统掌握</a:t>
-            </a:r>
-            <a:r>
-              <a:rPr lang="en-US" altLang="zh-CN" dirty="0">
-                <a:latin typeface="微软雅黑" panose="020B0503020204020204" pitchFamily="34" charset="-122"/>
-                <a:ea typeface="微软雅黑" panose="020B0503020204020204" pitchFamily="34" charset="-122"/>
-              </a:rPr>
-              <a:t>Java</a:t>
-            </a:r>
-            <a:r>
-              <a:rPr lang="zh-CN" altLang="en-US" dirty="0">
-                <a:latin typeface="微软雅黑" panose="020B0503020204020204" pitchFamily="34" charset="-122"/>
-                <a:ea typeface="微软雅黑" panose="020B0503020204020204" pitchFamily="34" charset="-122"/>
-              </a:rPr>
-              <a:t>技术的基础上，对数据库、</a:t>
-            </a:r>
-            <a:r>
-              <a:rPr lang="en-US" altLang="zh-CN" dirty="0">
-                <a:latin typeface="微软雅黑" panose="020B0503020204020204" pitchFamily="34" charset="-122"/>
-                <a:ea typeface="微软雅黑" panose="020B0503020204020204" pitchFamily="34" charset="-122"/>
-              </a:rPr>
-              <a:t>Linux</a:t>
-            </a:r>
-            <a:r>
-              <a:rPr lang="zh-CN" altLang="en-US" dirty="0">
-                <a:latin typeface="微软雅黑" panose="020B0503020204020204" pitchFamily="34" charset="-122"/>
-                <a:ea typeface="微软雅黑" panose="020B0503020204020204" pitchFamily="34" charset="-122"/>
-              </a:rPr>
-              <a:t>操作系统等也</a:t>
-            </a:r>
+              <a:t>根据市场反馈，更新维护课程，保证教学稳定</a:t>
+            </a:r>
+            <a:endParaRPr lang="en-US" altLang="zh-CN" dirty="0" smtClean="0">
+              <a:latin typeface="微软雅黑" panose="020B0503020204020204" pitchFamily="34" charset="-122"/>
+              <a:ea typeface="微软雅黑" panose="020B0503020204020204" pitchFamily="34" charset="-122"/>
+            </a:endParaRPr>
+          </a:p>
+          <a:p>
+            <a:pPr marL="342900" indent="-342900">
+              <a:buFont typeface="+mj-lt"/>
+              <a:buAutoNum type="arabicPeriod"/>
+            </a:pPr>
             <a:r>
               <a:rPr lang="zh-CN" altLang="en-US" dirty="0" smtClean="0">
                 <a:latin typeface="微软雅黑" panose="020B0503020204020204" pitchFamily="34" charset="-122"/>
                 <a:ea typeface="微软雅黑" panose="020B0503020204020204" pitchFamily="34" charset="-122"/>
               </a:rPr>
-              <a:t>有</a:t>
+              <a:t>期望：</a:t>
             </a:r>
             <a:endParaRPr lang="en-US" altLang="zh-CN" dirty="0" smtClean="0">
               <a:latin typeface="微软雅黑" panose="020B0503020204020204" pitchFamily="34" charset="-122"/>
@@ -8518,139 +8540,116 @@
             </a:endParaRPr>
           </a:p>
           <a:p>
+            <a:pPr marL="800100" lvl="1" indent="-342900">
+              <a:buFont typeface="+mj-lt"/>
+              <a:buAutoNum type="arabicPeriod"/>
+            </a:pPr>
+            <a:r>
+              <a:rPr lang="zh-CN" altLang="en-US" dirty="0" smtClean="0">
+                <a:latin typeface="微软雅黑" panose="020B0503020204020204" pitchFamily="34" charset="-122"/>
+                <a:ea typeface="微软雅黑" panose="020B0503020204020204" pitchFamily="34" charset="-122"/>
+              </a:rPr>
+              <a:t>开展嵌入式</a:t>
+            </a:r>
+            <a:r>
+              <a:rPr lang="en-US" altLang="zh-CN" dirty="0" smtClean="0">
+                <a:latin typeface="微软雅黑" panose="020B0503020204020204" pitchFamily="34" charset="-122"/>
+                <a:ea typeface="微软雅黑" panose="020B0503020204020204" pitchFamily="34" charset="-122"/>
+              </a:rPr>
+              <a:t>TMOOC</a:t>
+            </a:r>
+            <a:r>
+              <a:rPr lang="zh-CN" altLang="en-US" dirty="0" smtClean="0">
+                <a:latin typeface="微软雅黑" panose="020B0503020204020204" pitchFamily="34" charset="-122"/>
+                <a:ea typeface="微软雅黑" panose="020B0503020204020204" pitchFamily="34" charset="-122"/>
+              </a:rPr>
+              <a:t>课程研发、推广</a:t>
+            </a:r>
+            <a:endParaRPr lang="en-US" altLang="zh-CN" dirty="0" smtClean="0">
+              <a:latin typeface="微软雅黑" panose="020B0503020204020204" pitchFamily="34" charset="-122"/>
+              <a:ea typeface="微软雅黑" panose="020B0503020204020204" pitchFamily="34" charset="-122"/>
+            </a:endParaRPr>
+          </a:p>
+          <a:p>
+            <a:pPr marL="1257300" lvl="2" indent="-342900">
+              <a:buFont typeface="+mj-lt"/>
+              <a:buAutoNum type="arabicPeriod"/>
+            </a:pPr>
+            <a:r>
+              <a:rPr lang="zh-CN" altLang="en-US" dirty="0" smtClean="0">
+                <a:latin typeface="微软雅黑" panose="020B0503020204020204" pitchFamily="34" charset="-122"/>
+                <a:ea typeface="微软雅黑" panose="020B0503020204020204" pitchFamily="34" charset="-122"/>
+              </a:rPr>
+              <a:t>教学、推广</a:t>
+            </a:r>
+            <a:endParaRPr lang="en-US" altLang="zh-CN" dirty="0" smtClean="0">
+              <a:latin typeface="微软雅黑" panose="020B0503020204020204" pitchFamily="34" charset="-122"/>
+              <a:ea typeface="微软雅黑" panose="020B0503020204020204" pitchFamily="34" charset="-122"/>
+            </a:endParaRPr>
+          </a:p>
+          <a:p>
+            <a:pPr marL="800100" lvl="1" indent="-342900">
+              <a:buFont typeface="+mj-lt"/>
+              <a:buAutoNum type="arabicPeriod"/>
+            </a:pPr>
+            <a:r>
+              <a:rPr lang="zh-CN" altLang="en-US" dirty="0" smtClean="0">
+                <a:latin typeface="微软雅黑" panose="020B0503020204020204" pitchFamily="34" charset="-122"/>
+                <a:ea typeface="微软雅黑" panose="020B0503020204020204" pitchFamily="34" charset="-122"/>
+              </a:rPr>
+              <a:t>开展智能硬件课程</a:t>
+            </a:r>
+            <a:endParaRPr lang="en-US" altLang="zh-CN" dirty="0" smtClean="0">
+              <a:latin typeface="微软雅黑" panose="020B0503020204020204" pitchFamily="34" charset="-122"/>
+              <a:ea typeface="微软雅黑" panose="020B0503020204020204" pitchFamily="34" charset="-122"/>
+            </a:endParaRPr>
+          </a:p>
+          <a:p>
+            <a:pPr marL="800100" lvl="1" indent="-342900">
+              <a:buFont typeface="+mj-lt"/>
+              <a:buAutoNum type="arabicPeriod"/>
+            </a:pPr>
+            <a:r>
+              <a:rPr lang="zh-CN" altLang="en-US" dirty="0" smtClean="0">
+                <a:latin typeface="微软雅黑" panose="020B0503020204020204" pitchFamily="34" charset="-122"/>
+                <a:ea typeface="微软雅黑" panose="020B0503020204020204" pitchFamily="34" charset="-122"/>
+              </a:rPr>
+              <a:t>开展开源项目，技术专题，积累人气，促进招生，提高口碑</a:t>
+            </a:r>
+            <a:endParaRPr lang="en-US" altLang="zh-CN" dirty="0" smtClean="0">
+              <a:latin typeface="微软雅黑" panose="020B0503020204020204" pitchFamily="34" charset="-122"/>
+              <a:ea typeface="微软雅黑" panose="020B0503020204020204" pitchFamily="34" charset="-122"/>
+            </a:endParaRPr>
+          </a:p>
+          <a:p>
+            <a:pPr marL="1257300" lvl="2" indent="-342900">
+              <a:buFont typeface="+mj-lt"/>
+              <a:buAutoNum type="arabicPeriod"/>
+            </a:pPr>
+            <a:r>
+              <a:rPr lang="en-US" altLang="zh-CN" dirty="0" smtClean="0">
+                <a:latin typeface="微软雅黑" panose="020B0503020204020204" pitchFamily="34" charset="-122"/>
+                <a:ea typeface="微软雅黑" panose="020B0503020204020204" pitchFamily="34" charset="-122"/>
+              </a:rPr>
+              <a:t>WIFI</a:t>
+            </a:r>
+            <a:r>
+              <a:rPr lang="zh-CN" altLang="en-US" dirty="0" smtClean="0">
+                <a:latin typeface="微软雅黑" panose="020B0503020204020204" pitchFamily="34" charset="-122"/>
+                <a:ea typeface="微软雅黑" panose="020B0503020204020204" pitchFamily="34" charset="-122"/>
+              </a:rPr>
+              <a:t>智能车（机器人）</a:t>
+            </a:r>
+            <a:endParaRPr lang="en-US" altLang="zh-CN" dirty="0">
+              <a:latin typeface="微软雅黑" panose="020B0503020204020204" pitchFamily="34" charset="-122"/>
+              <a:ea typeface="微软雅黑" panose="020B0503020204020204" pitchFamily="34" charset="-122"/>
+            </a:endParaRPr>
+          </a:p>
+          <a:p>
             <a:pPr marL="342900" indent="-342900">
               <a:buFont typeface="+mj-lt"/>
               <a:buAutoNum type="arabicPeriod"/>
             </a:pPr>
-            <a:r>
-              <a:rPr lang="zh-CN" altLang="zh-CN" dirty="0" smtClean="0">
-                <a:latin typeface="微软雅黑" panose="020B0503020204020204" pitchFamily="34" charset="-122"/>
-                <a:ea typeface="微软雅黑" panose="020B0503020204020204" pitchFamily="34" charset="-122"/>
-              </a:rPr>
-              <a:t>目前</a:t>
-            </a:r>
-            <a:r>
-              <a:rPr lang="zh-CN" altLang="en-US" dirty="0" smtClean="0">
-                <a:latin typeface="微软雅黑" panose="020B0503020204020204" pitchFamily="34" charset="-122"/>
-                <a:ea typeface="微软雅黑" panose="020B0503020204020204" pitchFamily="34" charset="-122"/>
-              </a:rPr>
-              <a:t>有</a:t>
-            </a:r>
-            <a:r>
-              <a:rPr lang="en-US" altLang="zh-CN" dirty="0" smtClean="0">
-                <a:latin typeface="微软雅黑" panose="020B0503020204020204" pitchFamily="34" charset="-122"/>
-                <a:ea typeface="微软雅黑" panose="020B0503020204020204" pitchFamily="34" charset="-122"/>
-              </a:rPr>
-              <a:t>12</a:t>
-            </a:r>
-            <a:r>
-              <a:rPr lang="zh-CN" altLang="zh-CN" dirty="0" smtClean="0">
-                <a:latin typeface="微软雅黑" panose="020B0503020204020204" pitchFamily="34" charset="-122"/>
-                <a:ea typeface="微软雅黑" panose="020B0503020204020204" pitchFamily="34" charset="-122"/>
-              </a:rPr>
-              <a:t>个</a:t>
-            </a:r>
-            <a:r>
-              <a:rPr lang="zh-CN" altLang="zh-CN" dirty="0">
-                <a:latin typeface="微软雅黑" panose="020B0503020204020204" pitchFamily="34" charset="-122"/>
-                <a:ea typeface="微软雅黑" panose="020B0503020204020204" pitchFamily="34" charset="-122"/>
-              </a:rPr>
-              <a:t>课程方向，具备培养“全栈式”软件工程师的实力和</a:t>
-            </a:r>
-            <a:r>
-              <a:rPr lang="zh-CN" altLang="zh-CN" dirty="0" smtClean="0">
-                <a:latin typeface="微软雅黑" panose="020B0503020204020204" pitchFamily="34" charset="-122"/>
-                <a:ea typeface="微软雅黑" panose="020B0503020204020204" pitchFamily="34" charset="-122"/>
-              </a:rPr>
-              <a:t>基础</a:t>
-            </a:r>
-            <a:endParaRPr lang="en-US" altLang="zh-CN" dirty="0">
-              <a:latin typeface="微软雅黑" panose="020B0503020204020204" pitchFamily="34" charset="-122"/>
-              <a:ea typeface="微软雅黑" panose="020B0503020204020204" pitchFamily="34" charset="-122"/>
-            </a:endParaRPr>
-          </a:p>
-          <a:p>
-            <a:pPr marL="342900" indent="-342900">
-              <a:buFont typeface="+mj-lt"/>
-              <a:buAutoNum type="arabicPeriod"/>
-            </a:pPr>
-            <a:r>
-              <a:rPr lang="zh-CN" altLang="en-US" dirty="0" smtClean="0">
-                <a:latin typeface="微软雅黑" panose="020B0503020204020204" pitchFamily="34" charset="-122"/>
-                <a:ea typeface="微软雅黑" panose="020B0503020204020204" pitchFamily="34" charset="-122"/>
-              </a:rPr>
-              <a:t>还</a:t>
-            </a:r>
-            <a:r>
-              <a:rPr lang="zh-CN" altLang="en-US" dirty="0">
-                <a:latin typeface="微软雅黑" panose="020B0503020204020204" pitchFamily="34" charset="-122"/>
-                <a:ea typeface="微软雅黑" panose="020B0503020204020204" pitchFamily="34" charset="-122"/>
-              </a:rPr>
-              <a:t>可以通过</a:t>
-            </a:r>
-            <a:r>
-              <a:rPr lang="en-US" altLang="zh-CN" dirty="0">
-                <a:latin typeface="微软雅黑" panose="020B0503020204020204" pitchFamily="34" charset="-122"/>
-                <a:ea typeface="微软雅黑" panose="020B0503020204020204" pitchFamily="34" charset="-122"/>
-              </a:rPr>
-              <a:t>TTS</a:t>
-            </a:r>
-            <a:r>
-              <a:rPr lang="zh-CN" altLang="en-US" dirty="0">
-                <a:latin typeface="微软雅黑" panose="020B0503020204020204" pitchFamily="34" charset="-122"/>
-                <a:ea typeface="微软雅黑" panose="020B0503020204020204" pitchFamily="34" charset="-122"/>
-              </a:rPr>
-              <a:t>辅修</a:t>
-            </a:r>
-            <a:r>
-              <a:rPr lang="en-US" altLang="zh-CN" dirty="0">
-                <a:latin typeface="微软雅黑" panose="020B0503020204020204" pitchFamily="34" charset="-122"/>
-                <a:ea typeface="微软雅黑" panose="020B0503020204020204" pitchFamily="34" charset="-122"/>
-              </a:rPr>
-              <a:t>Oracle</a:t>
-            </a:r>
-            <a:r>
-              <a:rPr lang="zh-CN" altLang="zh-CN" dirty="0">
-                <a:latin typeface="微软雅黑" panose="020B0503020204020204" pitchFamily="34" charset="-122"/>
-                <a:ea typeface="微软雅黑" panose="020B0503020204020204" pitchFamily="34" charset="-122"/>
-              </a:rPr>
-              <a:t>、</a:t>
-            </a:r>
-            <a:r>
-              <a:rPr lang="en-US" altLang="zh-CN" dirty="0">
-                <a:latin typeface="微软雅黑" panose="020B0503020204020204" pitchFamily="34" charset="-122"/>
-                <a:ea typeface="微软雅黑" panose="020B0503020204020204" pitchFamily="34" charset="-122"/>
-              </a:rPr>
-              <a:t>Linux</a:t>
-            </a:r>
-            <a:r>
-              <a:rPr lang="zh-CN" altLang="zh-CN" dirty="0">
-                <a:latin typeface="微软雅黑" panose="020B0503020204020204" pitchFamily="34" charset="-122"/>
-                <a:ea typeface="微软雅黑" panose="020B0503020204020204" pitchFamily="34" charset="-122"/>
-              </a:rPr>
-              <a:t>、</a:t>
-            </a:r>
-            <a:r>
-              <a:rPr lang="zh-CN" altLang="en-US" dirty="0">
-                <a:latin typeface="微软雅黑" panose="020B0503020204020204" pitchFamily="34" charset="-122"/>
-                <a:ea typeface="微软雅黑" panose="020B0503020204020204" pitchFamily="34" charset="-122"/>
-              </a:rPr>
-              <a:t>软件测试、大数据技术</a:t>
-            </a:r>
-            <a:r>
-              <a:rPr lang="zh-CN" altLang="zh-CN" dirty="0">
-                <a:latin typeface="微软雅黑" panose="020B0503020204020204" pitchFamily="34" charset="-122"/>
-                <a:ea typeface="微软雅黑" panose="020B0503020204020204" pitchFamily="34" charset="-122"/>
-              </a:rPr>
-              <a:t>等多门课程</a:t>
-            </a:r>
-            <a:r>
-              <a:rPr lang="zh-CN" altLang="en-US" dirty="0">
-                <a:latin typeface="微软雅黑" panose="020B0503020204020204" pitchFamily="34" charset="-122"/>
-                <a:ea typeface="微软雅黑" panose="020B0503020204020204" pitchFamily="34" charset="-122"/>
-              </a:rPr>
-              <a:t>。</a:t>
-            </a:r>
             <a:endParaRPr lang="en-US" altLang="zh-CN" dirty="0">
               <a:latin typeface="微软雅黑" panose="020B0503020204020204" pitchFamily="34" charset="-122"/>
               <a:ea typeface="微软雅黑" panose="020B0503020204020204" pitchFamily="34" charset="-122"/>
@@ -17768,14 +17767,7 @@
                 <a:latin typeface="微软雅黑" panose="020B0503020204020204" pitchFamily="34" charset="-122"/>
                 <a:ea typeface="微软雅黑" panose="020B0503020204020204" pitchFamily="34" charset="-122"/>
               </a:rPr>
-              <a:t>课程研发，视频</a:t>
-            </a:r>
-            <a:r>
-              <a:rPr lang="zh-CN" altLang="en-US" dirty="0" smtClean="0">
-                <a:latin typeface="微软雅黑" panose="020B0503020204020204" pitchFamily="34" charset="-122"/>
-                <a:ea typeface="微软雅黑" panose="020B0503020204020204" pitchFamily="34" charset="-122"/>
-              </a:rPr>
-              <a:t>录制</a:t>
+              <a:t>课程研发，视频录制</a:t>
             </a:r>
             <a:endParaRPr lang="en-US" altLang="zh-CN" dirty="0" smtClean="0">
               <a:latin typeface="微软雅黑" panose="020B0503020204020204" pitchFamily="34" charset="-122"/>
@@ -17813,21 +17805,7 @@
                 <a:latin typeface="微软雅黑" panose="020B0503020204020204" pitchFamily="34" charset="-122"/>
                 <a:ea typeface="微软雅黑" panose="020B0503020204020204" pitchFamily="34" charset="-122"/>
               </a:rPr>
-              <a:t>月完成：</a:t>
-            </a:r>
-            <a:r>
-              <a:rPr lang="zh-CN" altLang="en-US" dirty="0" smtClean="0">
-                <a:latin typeface="微软雅黑" panose="020B0503020204020204" pitchFamily="34" charset="-122"/>
-                <a:ea typeface="微软雅黑" panose="020B0503020204020204" pitchFamily="34" charset="-122"/>
-              </a:rPr>
-              <a:t>微</a:t>
-            </a:r>
-            <a:r>
-              <a:rPr lang="zh-CN" altLang="en-US" dirty="0" smtClean="0">
-                <a:latin typeface="微软雅黑" panose="020B0503020204020204" pitchFamily="34" charset="-122"/>
-                <a:ea typeface="微软雅黑" panose="020B0503020204020204" pitchFamily="34" charset="-122"/>
-              </a:rPr>
-              <a:t>课程（</a:t>
+              <a:t>月完成：微课程（</a:t>
             </a:r>
             <a:r>
               <a:rPr lang="en-US" altLang="zh-CN" dirty="0" smtClean="0">
@@ -18360,14 +18338,7 @@
                 <a:latin typeface="微软雅黑" panose="020B0503020204020204" pitchFamily="34" charset="-122"/>
                 <a:ea typeface="微软雅黑" panose="020B0503020204020204" pitchFamily="34" charset="-122"/>
               </a:rPr>
-              <a:t>根据市场需要研发新</a:t>
-            </a:r>
-            <a:r>
-              <a:rPr lang="zh-CN" altLang="en-US" dirty="0" smtClean="0">
-                <a:latin typeface="微软雅黑" panose="020B0503020204020204" pitchFamily="34" charset="-122"/>
-                <a:ea typeface="微软雅黑" panose="020B0503020204020204" pitchFamily="34" charset="-122"/>
-              </a:rPr>
-              <a:t>课程</a:t>
+              <a:t>根据市场需要研发新课程</a:t>
             </a:r>
             <a:endParaRPr lang="en-US" altLang="zh-CN" dirty="0" smtClean="0">
               <a:latin typeface="微软雅黑" panose="020B0503020204020204" pitchFamily="34" charset="-122"/>

--- a/2015年中工作会/2015集团教学总监年中工作会_ESD_冯华.pptx
+++ b/2015年中工作会/2015集团教学总监年中工作会_ESD_冯华.pptx
@@ -222,7 +222,7 @@
             <a:fld id="{2BF605E8-70C3-45B8-A465-16F6ECD62980}" type="datetimeFigureOut">
               <a:rPr lang="zh-CN" altLang="en-US" smtClean="0"/>
               <a:pPr/>
-              <a:t>2015/9/10</a:t>
+              <a:t>2015/9/11</a:t>
             </a:fld>
             <a:endParaRPr lang="zh-CN" altLang="en-US"/>
           </a:p>
@@ -1525,7 +1525,7 @@
             <a:fld id="{530820CF-B880-4189-942D-D702A7CBA730}" type="datetimeFigureOut">
               <a:rPr lang="zh-CN" altLang="en-US" smtClean="0"/>
               <a:pPr/>
-              <a:t>2015/9/10</a:t>
+              <a:t>2015/9/11</a:t>
             </a:fld>
             <a:endParaRPr lang="zh-CN" altLang="en-US"/>
           </a:p>
@@ -1699,7 +1699,7 @@
             <a:fld id="{530820CF-B880-4189-942D-D702A7CBA730}" type="datetimeFigureOut">
               <a:rPr lang="zh-CN" altLang="en-US" smtClean="0"/>
               <a:pPr/>
-              <a:t>2015/9/10</a:t>
+              <a:t>2015/9/11</a:t>
             </a:fld>
             <a:endParaRPr lang="zh-CN" altLang="en-US"/>
           </a:p>
@@ -1876,7 +1876,7 @@
             <a:fld id="{530820CF-B880-4189-942D-D702A7CBA730}" type="datetimeFigureOut">
               <a:rPr lang="zh-CN" altLang="en-US" smtClean="0"/>
               <a:pPr/>
-              <a:t>2015/9/10</a:t>
+              <a:t>2015/9/11</a:t>
             </a:fld>
             <a:endParaRPr lang="zh-CN" altLang="en-US"/>
           </a:p>
@@ -2086,7 +2086,7 @@
                 </a:solidFill>
               </a:rPr>
               <a:pPr/>
-              <a:t>2015/9/10</a:t>
+              <a:t>2015/9/11</a:t>
             </a:fld>
             <a:endParaRPr lang="zh-CN" altLang="en-US">
               <a:solidFill>
@@ -2364,7 +2364,7 @@
                 </a:solidFill>
               </a:rPr>
               <a:pPr/>
-              <a:t>2015/9/10</a:t>
+              <a:t>2015/9/11</a:t>
             </a:fld>
             <a:endParaRPr lang="zh-CN" altLang="en-US">
               <a:solidFill>
@@ -2684,7 +2684,7 @@
                 </a:solidFill>
               </a:rPr>
               <a:pPr/>
-              <a:t>2015/9/10</a:t>
+              <a:t>2015/9/11</a:t>
             </a:fld>
             <a:endParaRPr lang="zh-CN" altLang="en-US">
               <a:solidFill>
@@ -3138,7 +3138,7 @@
                 </a:solidFill>
               </a:rPr>
               <a:pPr/>
-              <a:t>2015/9/10</a:t>
+              <a:t>2015/9/11</a:t>
             </a:fld>
             <a:endParaRPr lang="zh-CN" altLang="en-US">
               <a:solidFill>
@@ -3288,7 +3288,7 @@
                 </a:solidFill>
               </a:rPr>
               <a:pPr/>
-              <a:t>2015/9/10</a:t>
+              <a:t>2015/9/11</a:t>
             </a:fld>
             <a:endParaRPr lang="zh-CN" altLang="en-US">
               <a:solidFill>
@@ -3415,7 +3415,7 @@
                 </a:solidFill>
               </a:rPr>
               <a:pPr/>
-              <a:t>2015/9/10</a:t>
+              <a:t>2015/9/11</a:t>
             </a:fld>
             <a:endParaRPr lang="zh-CN" altLang="en-US">
               <a:solidFill>
@@ -3731,7 +3731,7 @@
                 </a:solidFill>
               </a:rPr>
               <a:pPr/>
-              <a:t>2015/9/10</a:t>
+              <a:t>2015/9/11</a:t>
             </a:fld>
             <a:endParaRPr lang="zh-CN" altLang="en-US">
               <a:solidFill>
@@ -3927,7 +3927,7 @@
             <a:fld id="{530820CF-B880-4189-942D-D702A7CBA730}" type="datetimeFigureOut">
               <a:rPr lang="zh-CN" altLang="en-US" smtClean="0"/>
               <a:pPr/>
-              <a:t>2015/9/10</a:t>
+              <a:t>2015/9/11</a:t>
             </a:fld>
             <a:endParaRPr lang="zh-CN" altLang="en-US"/>
           </a:p>
@@ -4183,7 +4183,7 @@
                 </a:solidFill>
               </a:rPr>
               <a:pPr/>
-              <a:t>2015/9/10</a:t>
+              <a:t>2015/9/11</a:t>
             </a:fld>
             <a:endParaRPr lang="zh-CN" altLang="en-US">
               <a:solidFill>
@@ -4385,7 +4385,7 @@
                 </a:solidFill>
               </a:rPr>
               <a:pPr/>
-              <a:t>2015/9/10</a:t>
+              <a:t>2015/9/11</a:t>
             </a:fld>
             <a:endParaRPr lang="zh-CN" altLang="en-US">
               <a:solidFill>
@@ -4597,7 +4597,7 @@
                 </a:solidFill>
               </a:rPr>
               <a:pPr/>
-              <a:t>2015/9/10</a:t>
+              <a:t>2015/9/11</a:t>
             </a:fld>
             <a:endParaRPr lang="zh-CN" altLang="en-US">
               <a:solidFill>
@@ -4869,7 +4869,7 @@
             <a:fld id="{530820CF-B880-4189-942D-D702A7CBA730}" type="datetimeFigureOut">
               <a:rPr lang="zh-CN" altLang="en-US" smtClean="0"/>
               <a:pPr/>
-              <a:t>2015/9/10</a:t>
+              <a:t>2015/9/11</a:t>
             </a:fld>
             <a:endParaRPr lang="zh-CN" altLang="en-US"/>
           </a:p>
@@ -5154,7 +5154,7 @@
             <a:fld id="{530820CF-B880-4189-942D-D702A7CBA730}" type="datetimeFigureOut">
               <a:rPr lang="zh-CN" altLang="en-US" smtClean="0"/>
               <a:pPr/>
-              <a:t>2015/9/10</a:t>
+              <a:t>2015/9/11</a:t>
             </a:fld>
             <a:endParaRPr lang="zh-CN" altLang="en-US"/>
           </a:p>
@@ -5573,7 +5573,7 @@
             <a:fld id="{530820CF-B880-4189-942D-D702A7CBA730}" type="datetimeFigureOut">
               <a:rPr lang="zh-CN" altLang="en-US" smtClean="0"/>
               <a:pPr/>
-              <a:t>2015/9/10</a:t>
+              <a:t>2015/9/11</a:t>
             </a:fld>
             <a:endParaRPr lang="zh-CN" altLang="en-US"/>
           </a:p>
@@ -5688,7 +5688,7 @@
             <a:fld id="{530820CF-B880-4189-942D-D702A7CBA730}" type="datetimeFigureOut">
               <a:rPr lang="zh-CN" altLang="en-US" smtClean="0"/>
               <a:pPr/>
-              <a:t>2015/9/10</a:t>
+              <a:t>2015/9/11</a:t>
             </a:fld>
             <a:endParaRPr lang="zh-CN" altLang="en-US"/>
           </a:p>
@@ -5780,7 +5780,7 @@
             <a:fld id="{530820CF-B880-4189-942D-D702A7CBA730}" type="datetimeFigureOut">
               <a:rPr lang="zh-CN" altLang="en-US" smtClean="0"/>
               <a:pPr/>
-              <a:t>2015/9/10</a:t>
+              <a:t>2015/9/11</a:t>
             </a:fld>
             <a:endParaRPr lang="zh-CN" altLang="en-US"/>
           </a:p>
@@ -6054,7 +6054,7 @@
             <a:fld id="{530820CF-B880-4189-942D-D702A7CBA730}" type="datetimeFigureOut">
               <a:rPr lang="zh-CN" altLang="en-US" smtClean="0"/>
               <a:pPr/>
-              <a:t>2015/9/10</a:t>
+              <a:t>2015/9/11</a:t>
             </a:fld>
             <a:endParaRPr lang="zh-CN" altLang="en-US"/>
           </a:p>
@@ -6304,7 +6304,7 @@
             <a:fld id="{530820CF-B880-4189-942D-D702A7CBA730}" type="datetimeFigureOut">
               <a:rPr lang="zh-CN" altLang="en-US" smtClean="0"/>
               <a:pPr/>
-              <a:t>2015/9/10</a:t>
+              <a:t>2015/9/11</a:t>
             </a:fld>
             <a:endParaRPr lang="zh-CN" altLang="en-US"/>
           </a:p>
@@ -6517,7 +6517,7 @@
             <a:fld id="{530820CF-B880-4189-942D-D702A7CBA730}" type="datetimeFigureOut">
               <a:rPr lang="zh-CN" altLang="en-US" smtClean="0"/>
               <a:pPr/>
-              <a:t>2015/9/10</a:t>
+              <a:t>2015/9/11</a:t>
             </a:fld>
             <a:endParaRPr lang="zh-CN" altLang="en-US"/>
           </a:p>
@@ -7070,7 +7070,7 @@
                 </a:solidFill>
               </a:rPr>
               <a:pPr/>
-              <a:t>2015/9/10</a:t>
+              <a:t>2015/9/11</a:t>
             </a:fld>
             <a:endParaRPr lang="zh-CN" altLang="en-US">
               <a:solidFill>
@@ -8225,14 +8225,7 @@
                 <a:latin typeface="微软雅黑" panose="020B0503020204020204" pitchFamily="34" charset="-122"/>
                 <a:ea typeface="微软雅黑" panose="020B0503020204020204" pitchFamily="34" charset="-122"/>
               </a:rPr>
-              <a:t>开展</a:t>
-            </a:r>
-            <a:r>
-              <a:rPr lang="zh-CN" altLang="en-US" dirty="0" smtClean="0">
-                <a:latin typeface="微软雅黑" panose="020B0503020204020204" pitchFamily="34" charset="-122"/>
-                <a:ea typeface="微软雅黑" panose="020B0503020204020204" pitchFamily="34" charset="-122"/>
-              </a:rPr>
-              <a:t>技术企业合作</a:t>
+              <a:t>开展技术企业合作</a:t>
             </a:r>
             <a:endParaRPr lang="en-US" altLang="zh-CN" dirty="0" smtClean="0">
               <a:latin typeface="微软雅黑" panose="020B0503020204020204" pitchFamily="34" charset="-122"/>
@@ -14913,7 +14906,7 @@
           <p:nvPr>
             <p:extLst>
               <p:ext uri="{D42A27DB-BD31-4B8C-83A1-F6EECF244321}">
-                <p14:modId xmlns:p14="http://schemas.microsoft.com/office/powerpoint/2010/main" val="2732808225"/>
+                <p14:modId xmlns:p14="http://schemas.microsoft.com/office/powerpoint/2010/main" val="1696811371"/>
               </p:ext>
             </p:extLst>
           </p:nvPr>
@@ -15379,6 +15372,17 @@
                     <a:lstStyle/>
                     <a:p>
                       <a:pPr algn="l" fontAlgn="ctr"/>
+                      <a:r>
+                        <a:rPr lang="en-US" altLang="zh-CN" sz="1400" b="1" i="0" u="none" strike="noStrike" dirty="0" smtClean="0">
+                          <a:solidFill>
+                            <a:srgbClr val="000000"/>
+                          </a:solidFill>
+                          <a:effectLst/>
+                          <a:latin typeface="微软雅黑" panose="020B0503020204020204" pitchFamily="34" charset="-122"/>
+                          <a:ea typeface="微软雅黑" panose="020B0503020204020204" pitchFamily="34" charset="-122"/>
+                        </a:rPr>
+                        <a:t>52.6</a:t>
+                      </a:r>
                       <a:endParaRPr lang="en-US" altLang="zh-CN" sz="1400" b="1" i="0" u="none" strike="noStrike" dirty="0">
                         <a:solidFill>
                           <a:srgbClr val="000000"/>
@@ -15530,6 +15534,17 @@
                     <a:lstStyle/>
                     <a:p>
                       <a:pPr algn="l" fontAlgn="ctr"/>
+                      <a:r>
+                        <a:rPr lang="en-US" altLang="zh-CN" sz="1400" b="1" i="0" u="none" strike="noStrike" dirty="0" smtClean="0">
+                          <a:solidFill>
+                            <a:srgbClr val="000000"/>
+                          </a:solidFill>
+                          <a:effectLst/>
+                          <a:latin typeface="微软雅黑" panose="020B0503020204020204" pitchFamily="34" charset="-122"/>
+                          <a:ea typeface="微软雅黑" panose="020B0503020204020204" pitchFamily="34" charset="-122"/>
+                        </a:rPr>
+                        <a:t>4.34</a:t>
+                      </a:r>
                       <a:endParaRPr lang="en-US" altLang="zh-CN" sz="1400" b="1" i="0" u="none" strike="noStrike" dirty="0">
                         <a:solidFill>
                           <a:srgbClr val="000000"/>
@@ -15680,7 +15695,34 @@
                     <a:bodyPr/>
                     <a:lstStyle/>
                     <a:p>
-                      <a:pPr algn="l" fontAlgn="ctr"/>
+                      <a:pPr marL="0" marR="0" indent="0" algn="l" defTabSz="914400" rtl="0" eaLnBrk="1" fontAlgn="ctr" latinLnBrk="0" hangingPunct="1">
+                        <a:lnSpc>
+                          <a:spcPct val="100000"/>
+                        </a:lnSpc>
+                        <a:spcBef>
+                          <a:spcPts val="0"/>
+                        </a:spcBef>
+                        <a:spcAft>
+                          <a:spcPts val="0"/>
+                        </a:spcAft>
+                        <a:buClrTx/>
+                        <a:buSzTx/>
+                        <a:buFontTx/>
+                        <a:buNone/>
+                        <a:tabLst/>
+                        <a:defRPr/>
+                      </a:pPr>
+                      <a:r>
+                        <a:rPr lang="en-US" altLang="zh-CN" sz="1400" b="1" i="0" u="none" strike="noStrike" dirty="0" smtClean="0">
+                          <a:solidFill>
+                            <a:srgbClr val="000000"/>
+                          </a:solidFill>
+                          <a:effectLst/>
+                          <a:latin typeface="微软雅黑" panose="020B0503020204020204" pitchFamily="34" charset="-122"/>
+                          <a:ea typeface="微软雅黑" panose="020B0503020204020204" pitchFamily="34" charset="-122"/>
+                        </a:rPr>
+                        <a:t>10.66</a:t>
+                      </a:r>
                       <a:endParaRPr lang="en-US" altLang="zh-CN" sz="1400" b="1" i="0" u="none" strike="noStrike" dirty="0">
                         <a:solidFill>
                           <a:srgbClr val="000000"/>
@@ -16211,6 +16253,17 @@
                     <a:lstStyle/>
                     <a:p>
                       <a:pPr algn="ctr" fontAlgn="ctr"/>
+                      <a:r>
+                        <a:rPr lang="en-US" altLang="zh-CN" sz="1400" b="0" i="0" u="none" strike="noStrike" dirty="0" smtClean="0">
+                          <a:solidFill>
+                            <a:srgbClr val="000000"/>
+                          </a:solidFill>
+                          <a:effectLst/>
+                          <a:latin typeface="微软雅黑" panose="020B0503020204020204" pitchFamily="34" charset="-122"/>
+                          <a:ea typeface="微软雅黑" panose="020B0503020204020204" pitchFamily="34" charset="-122"/>
+                        </a:rPr>
+                        <a:t>1.17</a:t>
+                      </a:r>
                       <a:endParaRPr lang="en-US" altLang="zh-CN" sz="1400" b="0" i="0" u="none" strike="noStrike" dirty="0">
                         <a:solidFill>
                           <a:srgbClr val="000000"/>
@@ -16266,6 +16319,17 @@
                     <a:lstStyle/>
                     <a:p>
                       <a:pPr algn="ctr" fontAlgn="ctr"/>
+                      <a:r>
+                        <a:rPr lang="en-US" altLang="zh-CN" sz="1400" b="0" i="0" u="none" strike="noStrike" dirty="0" smtClean="0">
+                          <a:solidFill>
+                            <a:srgbClr val="000000"/>
+                          </a:solidFill>
+                          <a:effectLst/>
+                          <a:latin typeface="微软雅黑" panose="020B0503020204020204" pitchFamily="34" charset="-122"/>
+                          <a:ea typeface="微软雅黑" panose="020B0503020204020204" pitchFamily="34" charset="-122"/>
+                        </a:rPr>
+                        <a:t>3.25</a:t>
+                      </a:r>
                       <a:endParaRPr lang="en-US" altLang="zh-CN" sz="1400" b="0" i="0" u="none" strike="noStrike" dirty="0">
                         <a:solidFill>
                           <a:srgbClr val="000000"/>
@@ -16321,6 +16385,17 @@
                     <a:lstStyle/>
                     <a:p>
                       <a:pPr algn="ctr" fontAlgn="ctr"/>
+                      <a:r>
+                        <a:rPr lang="en-US" altLang="zh-CN" sz="1400" b="0" i="0" u="none" strike="noStrike" dirty="0" smtClean="0">
+                          <a:solidFill>
+                            <a:srgbClr val="000000"/>
+                          </a:solidFill>
+                          <a:effectLst/>
+                          <a:latin typeface="微软雅黑" panose="020B0503020204020204" pitchFamily="34" charset="-122"/>
+                          <a:ea typeface="微软雅黑" panose="020B0503020204020204" pitchFamily="34" charset="-122"/>
+                        </a:rPr>
+                        <a:t>0.67</a:t>
+                      </a:r>
                       <a:endParaRPr lang="en-US" altLang="zh-CN" sz="1400" b="0" i="0" u="none" strike="noStrike" dirty="0">
                         <a:solidFill>
                           <a:srgbClr val="000000"/>
@@ -16375,15 +16450,34 @@
                     <a:bodyPr/>
                     <a:lstStyle/>
                     <a:p>
-                      <a:pPr algn="ctr" fontAlgn="ctr"/>
-                      <a:endParaRPr lang="en-US" altLang="zh-CN" sz="1400" b="0" i="0" u="none" strike="noStrike" dirty="0">
-                        <a:solidFill>
-                          <a:srgbClr val="000000"/>
-                        </a:solidFill>
-                        <a:effectLst/>
-                        <a:latin typeface="微软雅黑" panose="020B0503020204020204" pitchFamily="34" charset="-122"/>
-                        <a:ea typeface="微软雅黑" panose="020B0503020204020204" pitchFamily="34" charset="-122"/>
-                      </a:endParaRPr>
+                      <a:pPr marL="0" marR="0" indent="0" algn="ctr" defTabSz="914400" rtl="0" eaLnBrk="1" fontAlgn="ctr" latinLnBrk="0" hangingPunct="1">
+                        <a:lnSpc>
+                          <a:spcPct val="100000"/>
+                        </a:lnSpc>
+                        <a:spcBef>
+                          <a:spcPts val="0"/>
+                        </a:spcBef>
+                        <a:spcAft>
+                          <a:spcPts val="0"/>
+                        </a:spcAft>
+                        <a:buClrTx/>
+                        <a:buSzTx/>
+                        <a:buFontTx/>
+                        <a:buNone/>
+                        <a:tabLst/>
+                        <a:defRPr/>
+                      </a:pPr>
+                      <a:r>
+                        <a:rPr lang="en-US" altLang="zh-CN" sz="1400" b="0" i="0" u="none" strike="noStrike" dirty="0" smtClean="0">
+                          <a:solidFill>
+                            <a:srgbClr val="000000"/>
+                          </a:solidFill>
+                          <a:effectLst/>
+                          <a:latin typeface="微软雅黑" panose="020B0503020204020204" pitchFamily="34" charset="-122"/>
+                          <a:ea typeface="微软雅黑" panose="020B0503020204020204" pitchFamily="34" charset="-122"/>
+                        </a:rPr>
+                        <a:t>4.32</a:t>
+                      </a:r>
                     </a:p>
                   </a:txBody>
                   <a:tcPr marL="9525" marR="9525" marT="9525" marB="0" anchor="ctr">
@@ -16495,6 +16589,17 @@
                     <a:lstStyle/>
                     <a:p>
                       <a:pPr algn="ctr" fontAlgn="ctr"/>
+                      <a:r>
+                        <a:rPr lang="en-US" altLang="zh-CN" sz="1400" b="0" i="0" u="none" strike="noStrike" dirty="0" smtClean="0">
+                          <a:solidFill>
+                            <a:srgbClr val="000000"/>
+                          </a:solidFill>
+                          <a:effectLst/>
+                          <a:latin typeface="微软雅黑" panose="020B0503020204020204" pitchFamily="34" charset="-122"/>
+                          <a:ea typeface="微软雅黑" panose="020B0503020204020204" pitchFamily="34" charset="-122"/>
+                        </a:rPr>
+                        <a:t>11.83</a:t>
+                      </a:r>
                       <a:endParaRPr lang="en-US" altLang="zh-CN" sz="1400" b="0" i="0" u="none" strike="noStrike" dirty="0">
                         <a:solidFill>
                           <a:srgbClr val="000000"/>
@@ -16550,6 +16655,17 @@
                     <a:lstStyle/>
                     <a:p>
                       <a:pPr algn="ctr" fontAlgn="ctr"/>
+                      <a:r>
+                        <a:rPr lang="en-US" altLang="zh-CN" sz="1400" b="0" i="0" u="none" strike="noStrike" dirty="0" smtClean="0">
+                          <a:solidFill>
+                            <a:srgbClr val="000000"/>
+                          </a:solidFill>
+                          <a:effectLst/>
+                          <a:latin typeface="微软雅黑" panose="020B0503020204020204" pitchFamily="34" charset="-122"/>
+                          <a:ea typeface="微软雅黑" panose="020B0503020204020204" pitchFamily="34" charset="-122"/>
+                        </a:rPr>
+                        <a:t>3.17</a:t>
+                      </a:r>
                       <a:endParaRPr lang="en-US" altLang="zh-CN" sz="1400" b="0" i="0" u="none" strike="noStrike" dirty="0">
                         <a:solidFill>
                           <a:srgbClr val="000000"/>
@@ -16605,6 +16721,17 @@
                     <a:lstStyle/>
                     <a:p>
                       <a:pPr algn="ctr" fontAlgn="ctr"/>
+                      <a:r>
+                        <a:rPr lang="en-US" altLang="zh-CN" sz="1400" b="0" i="0" u="none" strike="noStrike" dirty="0" smtClean="0">
+                          <a:solidFill>
+                            <a:srgbClr val="000000"/>
+                          </a:solidFill>
+                          <a:effectLst/>
+                          <a:latin typeface="微软雅黑" panose="020B0503020204020204" pitchFamily="34" charset="-122"/>
+                          <a:ea typeface="微软雅黑" panose="020B0503020204020204" pitchFamily="34" charset="-122"/>
+                        </a:rPr>
+                        <a:t>0.83</a:t>
+                      </a:r>
                       <a:endParaRPr lang="en-US" altLang="zh-CN" sz="1400" b="0" i="0" u="none" strike="noStrike" dirty="0">
                         <a:solidFill>
                           <a:srgbClr val="000000"/>
@@ -16660,6 +16787,17 @@
                     <a:lstStyle/>
                     <a:p>
                       <a:pPr algn="ctr" fontAlgn="ctr"/>
+                      <a:r>
+                        <a:rPr lang="en-US" altLang="zh-CN" sz="1400" b="0" i="0" u="none" strike="noStrike" dirty="0" smtClean="0">
+                          <a:solidFill>
+                            <a:srgbClr val="000000"/>
+                          </a:solidFill>
+                          <a:effectLst/>
+                          <a:latin typeface="微软雅黑" panose="020B0503020204020204" pitchFamily="34" charset="-122"/>
+                          <a:ea typeface="微软雅黑" panose="020B0503020204020204" pitchFamily="34" charset="-122"/>
+                        </a:rPr>
+                        <a:t>0</a:t>
+                      </a:r>
                       <a:endParaRPr lang="en-US" altLang="zh-CN" sz="1400" b="0" i="0" u="none" strike="noStrike" dirty="0">
                         <a:solidFill>
                           <a:srgbClr val="000000"/>
@@ -16779,6 +16917,17 @@
                     <a:lstStyle/>
                     <a:p>
                       <a:pPr algn="ctr" fontAlgn="ctr"/>
+                      <a:r>
+                        <a:rPr lang="en-US" altLang="zh-CN" sz="1400" b="0" i="0" u="none" strike="noStrike" dirty="0" smtClean="0">
+                          <a:solidFill>
+                            <a:srgbClr val="000000"/>
+                          </a:solidFill>
+                          <a:effectLst/>
+                          <a:latin typeface="微软雅黑" panose="020B0503020204020204" pitchFamily="34" charset="-122"/>
+                          <a:ea typeface="微软雅黑" panose="020B0503020204020204" pitchFamily="34" charset="-122"/>
+                        </a:rPr>
+                        <a:t>10.33</a:t>
+                      </a:r>
                       <a:endParaRPr lang="en-US" altLang="zh-CN" sz="1400" b="0" i="0" u="none" strike="noStrike" dirty="0">
                         <a:solidFill>
                           <a:srgbClr val="000000"/>
@@ -16834,6 +16983,17 @@
                     <a:lstStyle/>
                     <a:p>
                       <a:pPr algn="ctr" fontAlgn="ctr"/>
+                      <a:r>
+                        <a:rPr lang="en-US" altLang="zh-CN" sz="1400" b="0" i="0" u="none" strike="noStrike" dirty="0" smtClean="0">
+                          <a:solidFill>
+                            <a:srgbClr val="000000"/>
+                          </a:solidFill>
+                          <a:effectLst/>
+                          <a:latin typeface="微软雅黑" panose="020B0503020204020204" pitchFamily="34" charset="-122"/>
+                          <a:ea typeface="微软雅黑" panose="020B0503020204020204" pitchFamily="34" charset="-122"/>
+                        </a:rPr>
+                        <a:t>4.42</a:t>
+                      </a:r>
                       <a:endParaRPr lang="en-US" altLang="zh-CN" sz="1400" b="0" i="0" u="none" strike="noStrike" dirty="0">
                         <a:solidFill>
                           <a:srgbClr val="000000"/>
@@ -16889,6 +17049,17 @@
                     <a:lstStyle/>
                     <a:p>
                       <a:pPr algn="ctr" fontAlgn="ctr"/>
+                      <a:r>
+                        <a:rPr lang="en-US" altLang="zh-CN" sz="1400" b="0" i="0" u="none" strike="noStrike" dirty="0" smtClean="0">
+                          <a:solidFill>
+                            <a:srgbClr val="000000"/>
+                          </a:solidFill>
+                          <a:effectLst/>
+                          <a:latin typeface="微软雅黑" panose="020B0503020204020204" pitchFamily="34" charset="-122"/>
+                          <a:ea typeface="微软雅黑" panose="020B0503020204020204" pitchFamily="34" charset="-122"/>
+                        </a:rPr>
+                        <a:t>1.67</a:t>
+                      </a:r>
                       <a:endParaRPr lang="en-US" altLang="zh-CN" sz="1400" b="0" i="0" u="none" strike="noStrike" dirty="0">
                         <a:solidFill>
                           <a:srgbClr val="000000"/>
@@ -16944,6 +17115,17 @@
                     <a:lstStyle/>
                     <a:p>
                       <a:pPr algn="ctr" fontAlgn="ctr"/>
+                      <a:r>
+                        <a:rPr lang="en-US" altLang="zh-CN" sz="1400" b="0" i="0" u="none" strike="noStrike" dirty="0" smtClean="0">
+                          <a:solidFill>
+                            <a:srgbClr val="000000"/>
+                          </a:solidFill>
+                          <a:effectLst/>
+                          <a:latin typeface="微软雅黑" panose="020B0503020204020204" pitchFamily="34" charset="-122"/>
+                          <a:ea typeface="微软雅黑" panose="020B0503020204020204" pitchFamily="34" charset="-122"/>
+                        </a:rPr>
+                        <a:t>1.75</a:t>
+                      </a:r>
                       <a:endParaRPr lang="en-US" altLang="zh-CN" sz="1400" b="0" i="0" u="none" strike="noStrike" dirty="0">
                         <a:solidFill>
                           <a:srgbClr val="000000"/>
@@ -16999,6 +17181,39 @@
                     <a:lstStyle/>
                     <a:p>
                       <a:pPr algn="l" fontAlgn="ctr"/>
+                      <a:r>
+                        <a:rPr lang="zh-CN" altLang="en-US" sz="1400" b="0" i="0" u="none" strike="noStrike" dirty="0" smtClean="0">
+                          <a:solidFill>
+                            <a:srgbClr val="000000"/>
+                          </a:solidFill>
+                          <a:effectLst/>
+                          <a:latin typeface="微软雅黑" panose="020B0503020204020204" pitchFamily="34" charset="-122"/>
+                          <a:ea typeface="微软雅黑" panose="020B0503020204020204" pitchFamily="34" charset="-122"/>
+                        </a:rPr>
+                        <a:t>黄霞（</a:t>
+                      </a:r>
+                      <a:r>
+                        <a:rPr lang="en-US" altLang="zh-CN" sz="1400" b="0" i="0" u="none" strike="noStrike" dirty="0" smtClean="0">
+                          <a:solidFill>
+                            <a:srgbClr val="000000"/>
+                          </a:solidFill>
+                          <a:effectLst/>
+                          <a:latin typeface="微软雅黑" panose="020B0503020204020204" pitchFamily="34" charset="-122"/>
+                          <a:ea typeface="微软雅黑" panose="020B0503020204020204" pitchFamily="34" charset="-122"/>
+                        </a:rPr>
+                        <a:t>8</a:t>
+                      </a:r>
+                      <a:r>
+                        <a:rPr lang="zh-CN" altLang="en-US" sz="1400" b="0" i="0" u="none" strike="noStrike" dirty="0" smtClean="0">
+                          <a:solidFill>
+                            <a:srgbClr val="000000"/>
+                          </a:solidFill>
+                          <a:effectLst/>
+                          <a:latin typeface="微软雅黑" panose="020B0503020204020204" pitchFamily="34" charset="-122"/>
+                          <a:ea typeface="微软雅黑" panose="020B0503020204020204" pitchFamily="34" charset="-122"/>
+                        </a:rPr>
+                        <a:t>月已离职）</a:t>
+                      </a:r>
                       <a:endParaRPr lang="en-US" sz="1400" b="0" i="0" u="none" strike="noStrike" dirty="0">
                         <a:solidFill>
                           <a:srgbClr val="000000"/>
@@ -17052,6 +17267,17 @@
                     <a:lstStyle/>
                     <a:p>
                       <a:pPr algn="ctr" fontAlgn="ctr"/>
+                      <a:r>
+                        <a:rPr lang="en-US" altLang="zh-CN" sz="1400" b="0" i="0" u="none" strike="noStrike" dirty="0" smtClean="0">
+                          <a:solidFill>
+                            <a:srgbClr val="000000"/>
+                          </a:solidFill>
+                          <a:effectLst/>
+                          <a:latin typeface="微软雅黑" panose="020B0503020204020204" pitchFamily="34" charset="-122"/>
+                          <a:ea typeface="微软雅黑" panose="020B0503020204020204" pitchFamily="34" charset="-122"/>
+                        </a:rPr>
+                        <a:t>12.17</a:t>
+                      </a:r>
                       <a:endParaRPr lang="en-US" altLang="zh-CN" sz="1400" b="0" i="0" u="none" strike="noStrike" dirty="0">
                         <a:solidFill>
                           <a:srgbClr val="000000"/>
@@ -17107,6 +17333,17 @@
                     <a:lstStyle/>
                     <a:p>
                       <a:pPr algn="ctr" fontAlgn="ctr"/>
+                      <a:r>
+                        <a:rPr lang="en-US" altLang="zh-CN" sz="1400" b="0" i="0" u="none" strike="noStrike" dirty="0" smtClean="0">
+                          <a:solidFill>
+                            <a:srgbClr val="000000"/>
+                          </a:solidFill>
+                          <a:effectLst/>
+                          <a:latin typeface="微软雅黑" panose="020B0503020204020204" pitchFamily="34" charset="-122"/>
+                          <a:ea typeface="微软雅黑" panose="020B0503020204020204" pitchFamily="34" charset="-122"/>
+                        </a:rPr>
+                        <a:t>0</a:t>
+                      </a:r>
                       <a:endParaRPr lang="en-US" altLang="zh-CN" sz="1400" b="0" i="0" u="none" strike="noStrike" dirty="0">
                         <a:solidFill>
                           <a:srgbClr val="000000"/>
@@ -17162,6 +17399,17 @@
                     <a:lstStyle/>
                     <a:p>
                       <a:pPr algn="ctr" fontAlgn="ctr"/>
+                      <a:r>
+                        <a:rPr lang="en-US" altLang="zh-CN" sz="1400" b="0" i="0" u="none" strike="noStrike" dirty="0" smtClean="0">
+                          <a:solidFill>
+                            <a:srgbClr val="000000"/>
+                          </a:solidFill>
+                          <a:effectLst/>
+                          <a:latin typeface="微软雅黑" panose="020B0503020204020204" pitchFamily="34" charset="-122"/>
+                          <a:ea typeface="微软雅黑" panose="020B0503020204020204" pitchFamily="34" charset="-122"/>
+                        </a:rPr>
+                        <a:t>0.17</a:t>
+                      </a:r>
                       <a:endParaRPr lang="en-US" altLang="zh-CN" sz="1400" b="0" i="0" u="none" strike="noStrike" dirty="0">
                         <a:solidFill>
                           <a:srgbClr val="000000"/>
@@ -17217,6 +17465,17 @@
                     <a:lstStyle/>
                     <a:p>
                       <a:pPr algn="ctr" fontAlgn="ctr"/>
+                      <a:r>
+                        <a:rPr lang="en-US" altLang="zh-CN" sz="1400" b="0" i="0" u="none" strike="noStrike" dirty="0" smtClean="0">
+                          <a:solidFill>
+                            <a:srgbClr val="000000"/>
+                          </a:solidFill>
+                          <a:effectLst/>
+                          <a:latin typeface="微软雅黑" panose="020B0503020204020204" pitchFamily="34" charset="-122"/>
+                          <a:ea typeface="微软雅黑" panose="020B0503020204020204" pitchFamily="34" charset="-122"/>
+                        </a:rPr>
+                        <a:t>0</a:t>
+                      </a:r>
                       <a:endParaRPr lang="en-US" altLang="zh-CN" sz="1400" b="0" i="0" u="none" strike="noStrike" dirty="0">
                         <a:solidFill>
                           <a:srgbClr val="000000"/>
@@ -17272,6 +17531,17 @@
                     <a:lstStyle/>
                     <a:p>
                       <a:pPr algn="l" fontAlgn="ctr"/>
+                      <a:r>
+                        <a:rPr lang="zh-CN" altLang="en-US" sz="1400" b="0" i="0" u="none" strike="noStrike" dirty="0" smtClean="0">
+                          <a:solidFill>
+                            <a:srgbClr val="000000"/>
+                          </a:solidFill>
+                          <a:effectLst/>
+                          <a:latin typeface="微软雅黑" panose="020B0503020204020204" pitchFamily="34" charset="-122"/>
+                          <a:ea typeface="微软雅黑" panose="020B0503020204020204" pitchFamily="34" charset="-122"/>
+                        </a:rPr>
+                        <a:t>蒋贵良（助教）</a:t>
+                      </a:r>
                       <a:endParaRPr lang="en-US" sz="1400" b="0" i="0" u="none" strike="noStrike" dirty="0">
                         <a:solidFill>
                           <a:srgbClr val="000000"/>
@@ -17325,6 +17595,17 @@
                     <a:lstStyle/>
                     <a:p>
                       <a:pPr algn="ctr" fontAlgn="ctr"/>
+                      <a:r>
+                        <a:rPr lang="en-US" altLang="zh-CN" sz="1400" b="0" i="0" u="none" strike="noStrike" dirty="0" smtClean="0">
+                          <a:solidFill>
+                            <a:srgbClr val="000000"/>
+                          </a:solidFill>
+                          <a:effectLst/>
+                          <a:latin typeface="微软雅黑" panose="020B0503020204020204" pitchFamily="34" charset="-122"/>
+                          <a:ea typeface="微软雅黑" panose="020B0503020204020204" pitchFamily="34" charset="-122"/>
+                        </a:rPr>
+                        <a:t>4.0</a:t>
+                      </a:r>
                       <a:endParaRPr lang="en-US" altLang="zh-CN" sz="1400" b="0" i="0" u="none" strike="noStrike" dirty="0">
                         <a:solidFill>
                           <a:srgbClr val="000000"/>
@@ -17380,6 +17661,17 @@
                     <a:lstStyle/>
                     <a:p>
                       <a:pPr algn="ctr" fontAlgn="ctr"/>
+                      <a:r>
+                        <a:rPr lang="en-US" altLang="zh-CN" sz="1400" b="0" i="0" u="none" strike="noStrike" dirty="0" smtClean="0">
+                          <a:solidFill>
+                            <a:srgbClr val="000000"/>
+                          </a:solidFill>
+                          <a:effectLst/>
+                          <a:latin typeface="微软雅黑" panose="020B0503020204020204" pitchFamily="34" charset="-122"/>
+                          <a:ea typeface="微软雅黑" panose="020B0503020204020204" pitchFamily="34" charset="-122"/>
+                        </a:rPr>
+                        <a:t>1.0</a:t>
+                      </a:r>
                       <a:endParaRPr lang="en-US" altLang="zh-CN" sz="1400" b="0" i="0" u="none" strike="noStrike" dirty="0">
                         <a:solidFill>
                           <a:srgbClr val="000000"/>
@@ -17435,6 +17727,17 @@
                     <a:lstStyle/>
                     <a:p>
                       <a:pPr algn="ctr" fontAlgn="ctr"/>
+                      <a:r>
+                        <a:rPr lang="en-US" altLang="zh-CN" sz="1400" b="0" i="0" u="none" strike="noStrike" dirty="0" smtClean="0">
+                          <a:solidFill>
+                            <a:srgbClr val="000000"/>
+                          </a:solidFill>
+                          <a:effectLst/>
+                          <a:latin typeface="微软雅黑" panose="020B0503020204020204" pitchFamily="34" charset="-122"/>
+                          <a:ea typeface="微软雅黑" panose="020B0503020204020204" pitchFamily="34" charset="-122"/>
+                        </a:rPr>
+                        <a:t>0</a:t>
+                      </a:r>
                       <a:endParaRPr lang="en-US" altLang="zh-CN" sz="1400" b="0" i="0" u="none" strike="noStrike" dirty="0">
                         <a:solidFill>
                           <a:srgbClr val="000000"/>
@@ -17490,6 +17793,17 @@
                     <a:lstStyle/>
                     <a:p>
                       <a:pPr algn="ctr" fontAlgn="ctr"/>
+                      <a:r>
+                        <a:rPr lang="en-US" altLang="zh-CN" sz="1400" b="0" i="0" u="none" strike="noStrike" dirty="0" smtClean="0">
+                          <a:solidFill>
+                            <a:srgbClr val="000000"/>
+                          </a:solidFill>
+                          <a:effectLst/>
+                          <a:latin typeface="微软雅黑" panose="020B0503020204020204" pitchFamily="34" charset="-122"/>
+                          <a:ea typeface="微软雅黑" panose="020B0503020204020204" pitchFamily="34" charset="-122"/>
+                        </a:rPr>
+                        <a:t>3.42</a:t>
+                      </a:r>
                       <a:endParaRPr lang="en-US" altLang="zh-CN" sz="1400" b="0" i="0" u="none" strike="noStrike" dirty="0">
                         <a:solidFill>
                           <a:srgbClr val="000000"/>

--- a/2015年中工作会/2015集团教学总监年中工作会_ESD_冯华.pptx
+++ b/2015年中工作会/2015集团教学总监年中工作会_ESD_冯华.pptx
@@ -13636,7 +13636,7 @@
         <p:spPr>
           <a:xfrm>
             <a:off x="5250119" y="2636912"/>
-            <a:ext cx="5184126" cy="1200329"/>
+            <a:ext cx="5094354" cy="1200329"/>
           </a:xfrm>
           <a:prstGeom prst="rect">
             <a:avLst/>
@@ -13658,7 +13658,7 @@
                 <a:latin typeface="微软雅黑" panose="020B0503020204020204" pitchFamily="34" charset="-122"/>
                 <a:ea typeface="微软雅黑" panose="020B0503020204020204" pitchFamily="34" charset="-122"/>
               </a:rPr>
-              <a:t>纯粹的嵌入式</a:t>
+              <a:t>最标准的嵌入式</a:t>
             </a:r>
             <a:r>
               <a:rPr lang="en-US" altLang="zh-CN" dirty="0" smtClean="0">
@@ -13672,7 +13672,14 @@
                 <a:latin typeface="微软雅黑" panose="020B0503020204020204" pitchFamily="34" charset="-122"/>
                 <a:ea typeface="微软雅黑" panose="020B0503020204020204" pitchFamily="34" charset="-122"/>
               </a:rPr>
-              <a:t>课程，注重基础</a:t>
+              <a:t>课程，</a:t>
+            </a:r>
+            <a:r>
+              <a:rPr lang="zh-CN" altLang="en-US" dirty="0" smtClean="0">
+                <a:latin typeface="微软雅黑" panose="020B0503020204020204" pitchFamily="34" charset="-122"/>
+                <a:ea typeface="微软雅黑" panose="020B0503020204020204" pitchFamily="34" charset="-122"/>
+              </a:rPr>
+              <a:t>注重基础</a:t>
             </a:r>
             <a:endParaRPr lang="en-US" altLang="zh-CN" dirty="0" smtClean="0">
               <a:latin typeface="微软雅黑" panose="020B0503020204020204" pitchFamily="34" charset="-122"/>
@@ -13689,7 +13696,14 @@
                 <a:latin typeface="微软雅黑" panose="020B0503020204020204" pitchFamily="34" charset="-122"/>
                 <a:ea typeface="微软雅黑" panose="020B0503020204020204" pitchFamily="34" charset="-122"/>
               </a:rPr>
-              <a:t>项目涵盖物联网技术</a:t>
+              <a:t>项目</a:t>
+            </a:r>
+            <a:r>
+              <a:rPr lang="zh-CN" altLang="en-US" dirty="0" smtClean="0">
+                <a:latin typeface="微软雅黑" panose="020B0503020204020204" pitchFamily="34" charset="-122"/>
+                <a:ea typeface="微软雅黑" panose="020B0503020204020204" pitchFamily="34" charset="-122"/>
+              </a:rPr>
+              <a:t>涵盖物联网技术</a:t>
             </a:r>
             <a:endParaRPr lang="en-US" altLang="zh-CN" dirty="0" smtClean="0">
               <a:latin typeface="微软雅黑" panose="020B0503020204020204" pitchFamily="34" charset="-122"/>
@@ -14906,7 +14920,7 @@
           <p:nvPr>
             <p:extLst>
               <p:ext uri="{D42A27DB-BD31-4B8C-83A1-F6EECF244321}">
-                <p14:modId xmlns:p14="http://schemas.microsoft.com/office/powerpoint/2010/main" val="1696811371"/>
+                <p14:modId xmlns:p14="http://schemas.microsoft.com/office/powerpoint/2010/main" val="3173592439"/>
               </p:ext>
             </p:extLst>
           </p:nvPr>
@@ -15543,7 +15557,7 @@
                           <a:latin typeface="微软雅黑" panose="020B0503020204020204" pitchFamily="34" charset="-122"/>
                           <a:ea typeface="微软雅黑" panose="020B0503020204020204" pitchFamily="34" charset="-122"/>
                         </a:rPr>
-                        <a:t>4.34</a:t>
+                        <a:t>3.34</a:t>
                       </a:r>
                       <a:endParaRPr lang="en-US" altLang="zh-CN" sz="1400" b="1" i="0" u="none" strike="noStrike" dirty="0">
                         <a:solidFill>
